--- a/分布式计算/课件/01. 分布式计算基本概念.pptx
+++ b/分布式计算/课件/01. 分布式计算基本概念.pptx
@@ -301,7 +301,7 @@
               <a:pPr>
                 <a:defRPr/>
               </a:pPr>
-              <a:t>2019/2/23</a:t>
+              <a:t>2019/3/20</a:t>
             </a:fld>
             <a:endParaRPr lang="zh-CN" altLang="en-US"/>
           </a:p>
@@ -519,7 +519,7 @@
               <a:pPr>
                 <a:defRPr/>
               </a:pPr>
-              <a:t>2019/2/23</a:t>
+              <a:t>2019/3/20</a:t>
             </a:fld>
             <a:endParaRPr lang="zh-CN" altLang="en-US"/>
           </a:p>
@@ -879,7 +879,7 @@
           </a:ln>
           <a:extLst>
             <a:ext uri="{909E8E84-426E-40dd-AFC4-6F175D3DCCD1}">
-              <a14:hiddenFill xmlns:a14="http://schemas.microsoft.com/office/drawing/2010/main" xmlns="">
+              <a14:hiddenFill xmlns="" xmlns:a14="http://schemas.microsoft.com/office/drawing/2010/main">
                 <a:solidFill>
                   <a:srgbClr val="FFFFFF"/>
                 </a:solidFill>
@@ -902,14 +902,14 @@
           <a:noFill/>
           <a:extLst>
             <a:ext uri="{909E8E84-426E-40dd-AFC4-6F175D3DCCD1}">
-              <a14:hiddenFill xmlns:a14="http://schemas.microsoft.com/office/drawing/2010/main" xmlns="">
+              <a14:hiddenFill xmlns="" xmlns:a14="http://schemas.microsoft.com/office/drawing/2010/main">
                 <a:solidFill>
                   <a:srgbClr val="FFFFFF"/>
                 </a:solidFill>
               </a14:hiddenFill>
             </a:ext>
             <a:ext uri="{91240B29-F687-4f45-9708-019B960494DF}">
-              <a14:hiddenLine xmlns:a14="http://schemas.microsoft.com/office/drawing/2010/main" xmlns="" w="9525">
+              <a14:hiddenLine xmlns="" xmlns:a14="http://schemas.microsoft.com/office/drawing/2010/main" w="9525">
                 <a:solidFill>
                   <a:srgbClr val="000000"/>
                 </a:solidFill>
@@ -1125,7 +1125,7 @@
           </a:ln>
           <a:extLst>
             <a:ext uri="{909E8E84-426E-40dd-AFC4-6F175D3DCCD1}">
-              <a14:hiddenFill xmlns:a14="http://schemas.microsoft.com/office/drawing/2010/main" xmlns="">
+              <a14:hiddenFill xmlns="" xmlns:a14="http://schemas.microsoft.com/office/drawing/2010/main">
                 <a:solidFill>
                   <a:srgbClr val="FFFFFF"/>
                 </a:solidFill>
@@ -1148,14 +1148,14 @@
           <a:noFill/>
           <a:extLst>
             <a:ext uri="{909E8E84-426E-40dd-AFC4-6F175D3DCCD1}">
-              <a14:hiddenFill xmlns:a14="http://schemas.microsoft.com/office/drawing/2010/main" xmlns="">
+              <a14:hiddenFill xmlns="" xmlns:a14="http://schemas.microsoft.com/office/drawing/2010/main">
                 <a:solidFill>
                   <a:srgbClr val="FFFFFF"/>
                 </a:solidFill>
               </a14:hiddenFill>
             </a:ext>
             <a:ext uri="{91240B29-F687-4f45-9708-019B960494DF}">
-              <a14:hiddenLine xmlns:a14="http://schemas.microsoft.com/office/drawing/2010/main" xmlns="" w="9525">
+              <a14:hiddenLine xmlns="" xmlns:a14="http://schemas.microsoft.com/office/drawing/2010/main" w="9525">
                 <a:solidFill>
                   <a:srgbClr val="000000"/>
                 </a:solidFill>
@@ -1371,7 +1371,7 @@
           </a:ln>
           <a:extLst>
             <a:ext uri="{909E8E84-426E-40dd-AFC4-6F175D3DCCD1}">
-              <a14:hiddenFill xmlns:a14="http://schemas.microsoft.com/office/drawing/2010/main" xmlns="">
+              <a14:hiddenFill xmlns="" xmlns:a14="http://schemas.microsoft.com/office/drawing/2010/main">
                 <a:solidFill>
                   <a:srgbClr val="FFFFFF"/>
                 </a:solidFill>
@@ -1394,14 +1394,14 @@
           <a:noFill/>
           <a:extLst>
             <a:ext uri="{909E8E84-426E-40dd-AFC4-6F175D3DCCD1}">
-              <a14:hiddenFill xmlns:a14="http://schemas.microsoft.com/office/drawing/2010/main" xmlns="">
+              <a14:hiddenFill xmlns="" xmlns:a14="http://schemas.microsoft.com/office/drawing/2010/main">
                 <a:solidFill>
                   <a:srgbClr val="FFFFFF"/>
                 </a:solidFill>
               </a14:hiddenFill>
             </a:ext>
             <a:ext uri="{91240B29-F687-4f45-9708-019B960494DF}">
-              <a14:hiddenLine xmlns:a14="http://schemas.microsoft.com/office/drawing/2010/main" xmlns="" w="9525">
+              <a14:hiddenLine xmlns="" xmlns:a14="http://schemas.microsoft.com/office/drawing/2010/main" w="9525">
                 <a:solidFill>
                   <a:srgbClr val="000000"/>
                 </a:solidFill>
@@ -1617,7 +1617,7 @@
           </a:ln>
           <a:extLst>
             <a:ext uri="{909E8E84-426E-40dd-AFC4-6F175D3DCCD1}">
-              <a14:hiddenFill xmlns:a14="http://schemas.microsoft.com/office/drawing/2010/main" xmlns="">
+              <a14:hiddenFill xmlns="" xmlns:a14="http://schemas.microsoft.com/office/drawing/2010/main">
                 <a:solidFill>
                   <a:srgbClr val="FFFFFF"/>
                 </a:solidFill>
@@ -1640,14 +1640,14 @@
           <a:noFill/>
           <a:extLst>
             <a:ext uri="{909E8E84-426E-40dd-AFC4-6F175D3DCCD1}">
-              <a14:hiddenFill xmlns:a14="http://schemas.microsoft.com/office/drawing/2010/main" xmlns="">
+              <a14:hiddenFill xmlns="" xmlns:a14="http://schemas.microsoft.com/office/drawing/2010/main">
                 <a:solidFill>
                   <a:srgbClr val="FFFFFF"/>
                 </a:solidFill>
               </a14:hiddenFill>
             </a:ext>
             <a:ext uri="{91240B29-F687-4f45-9708-019B960494DF}">
-              <a14:hiddenLine xmlns:a14="http://schemas.microsoft.com/office/drawing/2010/main" xmlns="" w="9525">
+              <a14:hiddenLine xmlns="" xmlns:a14="http://schemas.microsoft.com/office/drawing/2010/main" w="9525">
                 <a:solidFill>
                   <a:srgbClr val="000000"/>
                 </a:solidFill>
@@ -1863,7 +1863,7 @@
           </a:ln>
           <a:extLst>
             <a:ext uri="{909E8E84-426E-40dd-AFC4-6F175D3DCCD1}">
-              <a14:hiddenFill xmlns:a14="http://schemas.microsoft.com/office/drawing/2010/main" xmlns="">
+              <a14:hiddenFill xmlns="" xmlns:a14="http://schemas.microsoft.com/office/drawing/2010/main">
                 <a:solidFill>
                   <a:srgbClr val="FFFFFF"/>
                 </a:solidFill>
@@ -1886,14 +1886,14 @@
           <a:noFill/>
           <a:extLst>
             <a:ext uri="{909E8E84-426E-40dd-AFC4-6F175D3DCCD1}">
-              <a14:hiddenFill xmlns:a14="http://schemas.microsoft.com/office/drawing/2010/main" xmlns="">
+              <a14:hiddenFill xmlns="" xmlns:a14="http://schemas.microsoft.com/office/drawing/2010/main">
                 <a:solidFill>
                   <a:srgbClr val="FFFFFF"/>
                 </a:solidFill>
               </a14:hiddenFill>
             </a:ext>
             <a:ext uri="{91240B29-F687-4f45-9708-019B960494DF}">
-              <a14:hiddenLine xmlns:a14="http://schemas.microsoft.com/office/drawing/2010/main" xmlns="" w="9525">
+              <a14:hiddenLine xmlns="" xmlns:a14="http://schemas.microsoft.com/office/drawing/2010/main" w="9525">
                 <a:solidFill>
                   <a:srgbClr val="000000"/>
                 </a:solidFill>
@@ -2109,7 +2109,7 @@
           </a:ln>
           <a:extLst>
             <a:ext uri="{909E8E84-426E-40dd-AFC4-6F175D3DCCD1}">
-              <a14:hiddenFill xmlns:a14="http://schemas.microsoft.com/office/drawing/2010/main" xmlns="">
+              <a14:hiddenFill xmlns="" xmlns:a14="http://schemas.microsoft.com/office/drawing/2010/main">
                 <a:solidFill>
                   <a:srgbClr val="FFFFFF"/>
                 </a:solidFill>
@@ -2132,14 +2132,14 @@
           <a:noFill/>
           <a:extLst>
             <a:ext uri="{909E8E84-426E-40dd-AFC4-6F175D3DCCD1}">
-              <a14:hiddenFill xmlns:a14="http://schemas.microsoft.com/office/drawing/2010/main" xmlns="">
+              <a14:hiddenFill xmlns="" xmlns:a14="http://schemas.microsoft.com/office/drawing/2010/main">
                 <a:solidFill>
                   <a:srgbClr val="FFFFFF"/>
                 </a:solidFill>
               </a14:hiddenFill>
             </a:ext>
             <a:ext uri="{91240B29-F687-4f45-9708-019B960494DF}">
-              <a14:hiddenLine xmlns:a14="http://schemas.microsoft.com/office/drawing/2010/main" xmlns="" w="9525">
+              <a14:hiddenLine xmlns="" xmlns:a14="http://schemas.microsoft.com/office/drawing/2010/main" w="9525">
                 <a:solidFill>
                   <a:srgbClr val="000000"/>
                 </a:solidFill>
@@ -2355,7 +2355,7 @@
           </a:ln>
           <a:extLst>
             <a:ext uri="{909E8E84-426E-40dd-AFC4-6F175D3DCCD1}">
-              <a14:hiddenFill xmlns:a14="http://schemas.microsoft.com/office/drawing/2010/main" xmlns="">
+              <a14:hiddenFill xmlns="" xmlns:a14="http://schemas.microsoft.com/office/drawing/2010/main">
                 <a:solidFill>
                   <a:srgbClr val="FFFFFF"/>
                 </a:solidFill>
@@ -2378,14 +2378,14 @@
           <a:noFill/>
           <a:extLst>
             <a:ext uri="{909E8E84-426E-40dd-AFC4-6F175D3DCCD1}">
-              <a14:hiddenFill xmlns:a14="http://schemas.microsoft.com/office/drawing/2010/main" xmlns="">
+              <a14:hiddenFill xmlns="" xmlns:a14="http://schemas.microsoft.com/office/drawing/2010/main">
                 <a:solidFill>
                   <a:srgbClr val="FFFFFF"/>
                 </a:solidFill>
               </a14:hiddenFill>
             </a:ext>
             <a:ext uri="{91240B29-F687-4f45-9708-019B960494DF}">
-              <a14:hiddenLine xmlns:a14="http://schemas.microsoft.com/office/drawing/2010/main" xmlns="" w="9525">
+              <a14:hiddenLine xmlns="" xmlns:a14="http://schemas.microsoft.com/office/drawing/2010/main" w="9525">
                 <a:solidFill>
                   <a:srgbClr val="000000"/>
                 </a:solidFill>
@@ -2601,7 +2601,7 @@
           </a:ln>
           <a:extLst>
             <a:ext uri="{909E8E84-426E-40dd-AFC4-6F175D3DCCD1}">
-              <a14:hiddenFill xmlns:a14="http://schemas.microsoft.com/office/drawing/2010/main" xmlns="">
+              <a14:hiddenFill xmlns="" xmlns:a14="http://schemas.microsoft.com/office/drawing/2010/main">
                 <a:solidFill>
                   <a:srgbClr val="FFFFFF"/>
                 </a:solidFill>
@@ -2624,14 +2624,14 @@
           <a:noFill/>
           <a:extLst>
             <a:ext uri="{909E8E84-426E-40dd-AFC4-6F175D3DCCD1}">
-              <a14:hiddenFill xmlns:a14="http://schemas.microsoft.com/office/drawing/2010/main" xmlns="">
+              <a14:hiddenFill xmlns="" xmlns:a14="http://schemas.microsoft.com/office/drawing/2010/main">
                 <a:solidFill>
                   <a:srgbClr val="FFFFFF"/>
                 </a:solidFill>
               </a14:hiddenFill>
             </a:ext>
             <a:ext uri="{91240B29-F687-4f45-9708-019B960494DF}">
-              <a14:hiddenLine xmlns:a14="http://schemas.microsoft.com/office/drawing/2010/main" xmlns="" w="9525">
+              <a14:hiddenLine xmlns="" xmlns:a14="http://schemas.microsoft.com/office/drawing/2010/main" w="9525">
                 <a:solidFill>
                   <a:srgbClr val="000000"/>
                 </a:solidFill>
@@ -2847,7 +2847,7 @@
           </a:ln>
           <a:extLst>
             <a:ext uri="{909E8E84-426E-40dd-AFC4-6F175D3DCCD1}">
-              <a14:hiddenFill xmlns:a14="http://schemas.microsoft.com/office/drawing/2010/main" xmlns="">
+              <a14:hiddenFill xmlns="" xmlns:a14="http://schemas.microsoft.com/office/drawing/2010/main">
                 <a:solidFill>
                   <a:srgbClr val="FFFFFF"/>
                 </a:solidFill>
@@ -2870,14 +2870,14 @@
           <a:noFill/>
           <a:extLst>
             <a:ext uri="{909E8E84-426E-40dd-AFC4-6F175D3DCCD1}">
-              <a14:hiddenFill xmlns:a14="http://schemas.microsoft.com/office/drawing/2010/main" xmlns="">
+              <a14:hiddenFill xmlns="" xmlns:a14="http://schemas.microsoft.com/office/drawing/2010/main">
                 <a:solidFill>
                   <a:srgbClr val="FFFFFF"/>
                 </a:solidFill>
               </a14:hiddenFill>
             </a:ext>
             <a:ext uri="{91240B29-F687-4f45-9708-019B960494DF}">
-              <a14:hiddenLine xmlns:a14="http://schemas.microsoft.com/office/drawing/2010/main" xmlns="" w="9525">
+              <a14:hiddenLine xmlns="" xmlns:a14="http://schemas.microsoft.com/office/drawing/2010/main" w="9525">
                 <a:solidFill>
                   <a:srgbClr val="000000"/>
                 </a:solidFill>
@@ -3093,7 +3093,7 @@
           </a:ln>
           <a:extLst>
             <a:ext uri="{909E8E84-426E-40dd-AFC4-6F175D3DCCD1}">
-              <a14:hiddenFill xmlns:a14="http://schemas.microsoft.com/office/drawing/2010/main" xmlns="">
+              <a14:hiddenFill xmlns="" xmlns:a14="http://schemas.microsoft.com/office/drawing/2010/main">
                 <a:solidFill>
                   <a:srgbClr val="FFFFFF"/>
                 </a:solidFill>
@@ -3116,14 +3116,14 @@
           <a:noFill/>
           <a:extLst>
             <a:ext uri="{909E8E84-426E-40dd-AFC4-6F175D3DCCD1}">
-              <a14:hiddenFill xmlns:a14="http://schemas.microsoft.com/office/drawing/2010/main" xmlns="">
+              <a14:hiddenFill xmlns="" xmlns:a14="http://schemas.microsoft.com/office/drawing/2010/main">
                 <a:solidFill>
                   <a:srgbClr val="FFFFFF"/>
                 </a:solidFill>
               </a14:hiddenFill>
             </a:ext>
             <a:ext uri="{91240B29-F687-4f45-9708-019B960494DF}">
-              <a14:hiddenLine xmlns:a14="http://schemas.microsoft.com/office/drawing/2010/main" xmlns="" w="9525">
+              <a14:hiddenLine xmlns="" xmlns:a14="http://schemas.microsoft.com/office/drawing/2010/main" w="9525">
                 <a:solidFill>
                   <a:srgbClr val="000000"/>
                 </a:solidFill>
@@ -3339,7 +3339,7 @@
           </a:ln>
           <a:extLst>
             <a:ext uri="{909E8E84-426E-40dd-AFC4-6F175D3DCCD1}">
-              <a14:hiddenFill xmlns:a14="http://schemas.microsoft.com/office/drawing/2010/main" xmlns="">
+              <a14:hiddenFill xmlns="" xmlns:a14="http://schemas.microsoft.com/office/drawing/2010/main">
                 <a:solidFill>
                   <a:srgbClr val="FFFFFF"/>
                 </a:solidFill>
@@ -3362,14 +3362,14 @@
           <a:noFill/>
           <a:extLst>
             <a:ext uri="{909E8E84-426E-40dd-AFC4-6F175D3DCCD1}">
-              <a14:hiddenFill xmlns:a14="http://schemas.microsoft.com/office/drawing/2010/main" xmlns="">
+              <a14:hiddenFill xmlns="" xmlns:a14="http://schemas.microsoft.com/office/drawing/2010/main">
                 <a:solidFill>
                   <a:srgbClr val="FFFFFF"/>
                 </a:solidFill>
               </a14:hiddenFill>
             </a:ext>
             <a:ext uri="{91240B29-F687-4f45-9708-019B960494DF}">
-              <a14:hiddenLine xmlns:a14="http://schemas.microsoft.com/office/drawing/2010/main" xmlns="" w="9525">
+              <a14:hiddenLine xmlns="" xmlns:a14="http://schemas.microsoft.com/office/drawing/2010/main" w="9525">
                 <a:solidFill>
                   <a:srgbClr val="000000"/>
                 </a:solidFill>
@@ -3585,7 +3585,7 @@
           </a:ln>
           <a:extLst>
             <a:ext uri="{909E8E84-426E-40dd-AFC4-6F175D3DCCD1}">
-              <a14:hiddenFill xmlns:a14="http://schemas.microsoft.com/office/drawing/2010/main" xmlns="">
+              <a14:hiddenFill xmlns="" xmlns:a14="http://schemas.microsoft.com/office/drawing/2010/main">
                 <a:solidFill>
                   <a:srgbClr val="FFFFFF"/>
                 </a:solidFill>
@@ -3608,14 +3608,14 @@
           <a:noFill/>
           <a:extLst>
             <a:ext uri="{909E8E84-426E-40dd-AFC4-6F175D3DCCD1}">
-              <a14:hiddenFill xmlns:a14="http://schemas.microsoft.com/office/drawing/2010/main" xmlns="">
+              <a14:hiddenFill xmlns="" xmlns:a14="http://schemas.microsoft.com/office/drawing/2010/main">
                 <a:solidFill>
                   <a:srgbClr val="FFFFFF"/>
                 </a:solidFill>
               </a14:hiddenFill>
             </a:ext>
             <a:ext uri="{91240B29-F687-4f45-9708-019B960494DF}">
-              <a14:hiddenLine xmlns:a14="http://schemas.microsoft.com/office/drawing/2010/main" xmlns="" w="9525">
+              <a14:hiddenLine xmlns="" xmlns:a14="http://schemas.microsoft.com/office/drawing/2010/main" w="9525">
                 <a:solidFill>
                   <a:srgbClr val="000000"/>
                 </a:solidFill>
@@ -3831,7 +3831,7 @@
           </a:ln>
           <a:extLst>
             <a:ext uri="{909E8E84-426E-40dd-AFC4-6F175D3DCCD1}">
-              <a14:hiddenFill xmlns:a14="http://schemas.microsoft.com/office/drawing/2010/main" xmlns="">
+              <a14:hiddenFill xmlns="" xmlns:a14="http://schemas.microsoft.com/office/drawing/2010/main">
                 <a:solidFill>
                   <a:srgbClr val="FFFFFF"/>
                 </a:solidFill>
@@ -3854,14 +3854,14 @@
           <a:noFill/>
           <a:extLst>
             <a:ext uri="{909E8E84-426E-40dd-AFC4-6F175D3DCCD1}">
-              <a14:hiddenFill xmlns:a14="http://schemas.microsoft.com/office/drawing/2010/main" xmlns="">
+              <a14:hiddenFill xmlns="" xmlns:a14="http://schemas.microsoft.com/office/drawing/2010/main">
                 <a:solidFill>
                   <a:srgbClr val="FFFFFF"/>
                 </a:solidFill>
               </a14:hiddenFill>
             </a:ext>
             <a:ext uri="{91240B29-F687-4f45-9708-019B960494DF}">
-              <a14:hiddenLine xmlns:a14="http://schemas.microsoft.com/office/drawing/2010/main" xmlns="" w="9525">
+              <a14:hiddenLine xmlns="" xmlns:a14="http://schemas.microsoft.com/office/drawing/2010/main" w="9525">
                 <a:solidFill>
                   <a:srgbClr val="000000"/>
                 </a:solidFill>
@@ -4077,7 +4077,7 @@
           </a:ln>
           <a:extLst>
             <a:ext uri="{909E8E84-426E-40dd-AFC4-6F175D3DCCD1}">
-              <a14:hiddenFill xmlns:a14="http://schemas.microsoft.com/office/drawing/2010/main" xmlns="">
+              <a14:hiddenFill xmlns="" xmlns:a14="http://schemas.microsoft.com/office/drawing/2010/main">
                 <a:solidFill>
                   <a:srgbClr val="FFFFFF"/>
                 </a:solidFill>
@@ -4100,14 +4100,14 @@
           <a:noFill/>
           <a:extLst>
             <a:ext uri="{909E8E84-426E-40dd-AFC4-6F175D3DCCD1}">
-              <a14:hiddenFill xmlns:a14="http://schemas.microsoft.com/office/drawing/2010/main" xmlns="">
+              <a14:hiddenFill xmlns="" xmlns:a14="http://schemas.microsoft.com/office/drawing/2010/main">
                 <a:solidFill>
                   <a:srgbClr val="FFFFFF"/>
                 </a:solidFill>
               </a14:hiddenFill>
             </a:ext>
             <a:ext uri="{91240B29-F687-4f45-9708-019B960494DF}">
-              <a14:hiddenLine xmlns:a14="http://schemas.microsoft.com/office/drawing/2010/main" xmlns="" w="9525">
+              <a14:hiddenLine xmlns="" xmlns:a14="http://schemas.microsoft.com/office/drawing/2010/main" w="9525">
                 <a:solidFill>
                   <a:srgbClr val="000000"/>
                 </a:solidFill>
@@ -4323,7 +4323,7 @@
           </a:ln>
           <a:extLst>
             <a:ext uri="{909E8E84-426E-40dd-AFC4-6F175D3DCCD1}">
-              <a14:hiddenFill xmlns:a14="http://schemas.microsoft.com/office/drawing/2010/main" xmlns="">
+              <a14:hiddenFill xmlns="" xmlns:a14="http://schemas.microsoft.com/office/drawing/2010/main">
                 <a:solidFill>
                   <a:srgbClr val="FFFFFF"/>
                 </a:solidFill>
@@ -4346,14 +4346,14 @@
           <a:noFill/>
           <a:extLst>
             <a:ext uri="{909E8E84-426E-40dd-AFC4-6F175D3DCCD1}">
-              <a14:hiddenFill xmlns:a14="http://schemas.microsoft.com/office/drawing/2010/main" xmlns="">
+              <a14:hiddenFill xmlns="" xmlns:a14="http://schemas.microsoft.com/office/drawing/2010/main">
                 <a:solidFill>
                   <a:srgbClr val="FFFFFF"/>
                 </a:solidFill>
               </a14:hiddenFill>
             </a:ext>
             <a:ext uri="{91240B29-F687-4f45-9708-019B960494DF}">
-              <a14:hiddenLine xmlns:a14="http://schemas.microsoft.com/office/drawing/2010/main" xmlns="" w="9525">
+              <a14:hiddenLine xmlns="" xmlns:a14="http://schemas.microsoft.com/office/drawing/2010/main" w="9525">
                 <a:solidFill>
                   <a:srgbClr val="000000"/>
                 </a:solidFill>
@@ -4569,7 +4569,7 @@
           </a:ln>
           <a:extLst>
             <a:ext uri="{909E8E84-426E-40dd-AFC4-6F175D3DCCD1}">
-              <a14:hiddenFill xmlns:a14="http://schemas.microsoft.com/office/drawing/2010/main" xmlns="">
+              <a14:hiddenFill xmlns="" xmlns:a14="http://schemas.microsoft.com/office/drawing/2010/main">
                 <a:solidFill>
                   <a:srgbClr val="FFFFFF"/>
                 </a:solidFill>
@@ -4592,14 +4592,14 @@
           <a:noFill/>
           <a:extLst>
             <a:ext uri="{909E8E84-426E-40dd-AFC4-6F175D3DCCD1}">
-              <a14:hiddenFill xmlns:a14="http://schemas.microsoft.com/office/drawing/2010/main" xmlns="">
+              <a14:hiddenFill xmlns="" xmlns:a14="http://schemas.microsoft.com/office/drawing/2010/main">
                 <a:solidFill>
                   <a:srgbClr val="FFFFFF"/>
                 </a:solidFill>
               </a14:hiddenFill>
             </a:ext>
             <a:ext uri="{91240B29-F687-4f45-9708-019B960494DF}">
-              <a14:hiddenLine xmlns:a14="http://schemas.microsoft.com/office/drawing/2010/main" xmlns="" w="9525">
+              <a14:hiddenLine xmlns="" xmlns:a14="http://schemas.microsoft.com/office/drawing/2010/main" w="9525">
                 <a:solidFill>
                   <a:srgbClr val="000000"/>
                 </a:solidFill>
@@ -4815,7 +4815,7 @@
           </a:ln>
           <a:extLst>
             <a:ext uri="{909E8E84-426E-40dd-AFC4-6F175D3DCCD1}">
-              <a14:hiddenFill xmlns:a14="http://schemas.microsoft.com/office/drawing/2010/main" xmlns="">
+              <a14:hiddenFill xmlns="" xmlns:a14="http://schemas.microsoft.com/office/drawing/2010/main">
                 <a:solidFill>
                   <a:srgbClr val="FFFFFF"/>
                 </a:solidFill>
@@ -4838,14 +4838,14 @@
           <a:noFill/>
           <a:extLst>
             <a:ext uri="{909E8E84-426E-40dd-AFC4-6F175D3DCCD1}">
-              <a14:hiddenFill xmlns:a14="http://schemas.microsoft.com/office/drawing/2010/main" xmlns="">
+              <a14:hiddenFill xmlns="" xmlns:a14="http://schemas.microsoft.com/office/drawing/2010/main">
                 <a:solidFill>
                   <a:srgbClr val="FFFFFF"/>
                 </a:solidFill>
               </a14:hiddenFill>
             </a:ext>
             <a:ext uri="{91240B29-F687-4f45-9708-019B960494DF}">
-              <a14:hiddenLine xmlns:a14="http://schemas.microsoft.com/office/drawing/2010/main" xmlns="" w="9525">
+              <a14:hiddenLine xmlns="" xmlns:a14="http://schemas.microsoft.com/office/drawing/2010/main" w="9525">
                 <a:solidFill>
                   <a:srgbClr val="000000"/>
                 </a:solidFill>
@@ -5061,7 +5061,7 @@
           </a:ln>
           <a:extLst>
             <a:ext uri="{909E8E84-426E-40dd-AFC4-6F175D3DCCD1}">
-              <a14:hiddenFill xmlns:a14="http://schemas.microsoft.com/office/drawing/2010/main" xmlns="">
+              <a14:hiddenFill xmlns="" xmlns:a14="http://schemas.microsoft.com/office/drawing/2010/main">
                 <a:solidFill>
                   <a:srgbClr val="FFFFFF"/>
                 </a:solidFill>
@@ -5084,14 +5084,14 @@
           <a:noFill/>
           <a:extLst>
             <a:ext uri="{909E8E84-426E-40dd-AFC4-6F175D3DCCD1}">
-              <a14:hiddenFill xmlns:a14="http://schemas.microsoft.com/office/drawing/2010/main" xmlns="">
+              <a14:hiddenFill xmlns="" xmlns:a14="http://schemas.microsoft.com/office/drawing/2010/main">
                 <a:solidFill>
                   <a:srgbClr val="FFFFFF"/>
                 </a:solidFill>
               </a14:hiddenFill>
             </a:ext>
             <a:ext uri="{91240B29-F687-4f45-9708-019B960494DF}">
-              <a14:hiddenLine xmlns:a14="http://schemas.microsoft.com/office/drawing/2010/main" xmlns="" w="9525">
+              <a14:hiddenLine xmlns="" xmlns:a14="http://schemas.microsoft.com/office/drawing/2010/main" w="9525">
                 <a:solidFill>
                   <a:srgbClr val="000000"/>
                 </a:solidFill>
@@ -5307,7 +5307,7 @@
           </a:ln>
           <a:extLst>
             <a:ext uri="{909E8E84-426E-40dd-AFC4-6F175D3DCCD1}">
-              <a14:hiddenFill xmlns:a14="http://schemas.microsoft.com/office/drawing/2010/main" xmlns="">
+              <a14:hiddenFill xmlns="" xmlns:a14="http://schemas.microsoft.com/office/drawing/2010/main">
                 <a:solidFill>
                   <a:srgbClr val="FFFFFF"/>
                 </a:solidFill>
@@ -5330,14 +5330,14 @@
           <a:noFill/>
           <a:extLst>
             <a:ext uri="{909E8E84-426E-40dd-AFC4-6F175D3DCCD1}">
-              <a14:hiddenFill xmlns:a14="http://schemas.microsoft.com/office/drawing/2010/main" xmlns="">
+              <a14:hiddenFill xmlns="" xmlns:a14="http://schemas.microsoft.com/office/drawing/2010/main">
                 <a:solidFill>
                   <a:srgbClr val="FFFFFF"/>
                 </a:solidFill>
               </a14:hiddenFill>
             </a:ext>
             <a:ext uri="{91240B29-F687-4f45-9708-019B960494DF}">
-              <a14:hiddenLine xmlns:a14="http://schemas.microsoft.com/office/drawing/2010/main" xmlns="" w="9525">
+              <a14:hiddenLine xmlns="" xmlns:a14="http://schemas.microsoft.com/office/drawing/2010/main" w="9525">
                 <a:solidFill>
                   <a:srgbClr val="000000"/>
                 </a:solidFill>
@@ -5553,7 +5553,7 @@
           </a:ln>
           <a:extLst>
             <a:ext uri="{909E8E84-426E-40dd-AFC4-6F175D3DCCD1}">
-              <a14:hiddenFill xmlns:a14="http://schemas.microsoft.com/office/drawing/2010/main" xmlns="">
+              <a14:hiddenFill xmlns="" xmlns:a14="http://schemas.microsoft.com/office/drawing/2010/main">
                 <a:solidFill>
                   <a:srgbClr val="FFFFFF"/>
                 </a:solidFill>
@@ -5576,14 +5576,14 @@
           <a:noFill/>
           <a:extLst>
             <a:ext uri="{909E8E84-426E-40dd-AFC4-6F175D3DCCD1}">
-              <a14:hiddenFill xmlns:a14="http://schemas.microsoft.com/office/drawing/2010/main" xmlns="">
+              <a14:hiddenFill xmlns="" xmlns:a14="http://schemas.microsoft.com/office/drawing/2010/main">
                 <a:solidFill>
                   <a:srgbClr val="FFFFFF"/>
                 </a:solidFill>
               </a14:hiddenFill>
             </a:ext>
             <a:ext uri="{91240B29-F687-4f45-9708-019B960494DF}">
-              <a14:hiddenLine xmlns:a14="http://schemas.microsoft.com/office/drawing/2010/main" xmlns="" w="9525">
+              <a14:hiddenLine xmlns="" xmlns:a14="http://schemas.microsoft.com/office/drawing/2010/main" w="9525">
                 <a:solidFill>
                   <a:srgbClr val="000000"/>
                 </a:solidFill>
@@ -5799,7 +5799,7 @@
           </a:ln>
           <a:extLst>
             <a:ext uri="{909E8E84-426E-40dd-AFC4-6F175D3DCCD1}">
-              <a14:hiddenFill xmlns:a14="http://schemas.microsoft.com/office/drawing/2010/main" xmlns="">
+              <a14:hiddenFill xmlns="" xmlns:a14="http://schemas.microsoft.com/office/drawing/2010/main">
                 <a:solidFill>
                   <a:srgbClr val="FFFFFF"/>
                 </a:solidFill>
@@ -5822,14 +5822,14 @@
           <a:noFill/>
           <a:extLst>
             <a:ext uri="{909E8E84-426E-40dd-AFC4-6F175D3DCCD1}">
-              <a14:hiddenFill xmlns:a14="http://schemas.microsoft.com/office/drawing/2010/main" xmlns="">
+              <a14:hiddenFill xmlns="" xmlns:a14="http://schemas.microsoft.com/office/drawing/2010/main">
                 <a:solidFill>
                   <a:srgbClr val="FFFFFF"/>
                 </a:solidFill>
               </a14:hiddenFill>
             </a:ext>
             <a:ext uri="{91240B29-F687-4f45-9708-019B960494DF}">
-              <a14:hiddenLine xmlns:a14="http://schemas.microsoft.com/office/drawing/2010/main" xmlns="" w="9525">
+              <a14:hiddenLine xmlns="" xmlns:a14="http://schemas.microsoft.com/office/drawing/2010/main" w="9525">
                 <a:solidFill>
                   <a:srgbClr val="000000"/>
                 </a:solidFill>
@@ -6045,7 +6045,7 @@
           </a:ln>
           <a:extLst>
             <a:ext uri="{909E8E84-426E-40dd-AFC4-6F175D3DCCD1}">
-              <a14:hiddenFill xmlns:a14="http://schemas.microsoft.com/office/drawing/2010/main" xmlns="">
+              <a14:hiddenFill xmlns="" xmlns:a14="http://schemas.microsoft.com/office/drawing/2010/main">
                 <a:solidFill>
                   <a:srgbClr val="FFFFFF"/>
                 </a:solidFill>
@@ -6068,14 +6068,14 @@
           <a:noFill/>
           <a:extLst>
             <a:ext uri="{909E8E84-426E-40dd-AFC4-6F175D3DCCD1}">
-              <a14:hiddenFill xmlns:a14="http://schemas.microsoft.com/office/drawing/2010/main" xmlns="">
+              <a14:hiddenFill xmlns="" xmlns:a14="http://schemas.microsoft.com/office/drawing/2010/main">
                 <a:solidFill>
                   <a:srgbClr val="FFFFFF"/>
                 </a:solidFill>
               </a14:hiddenFill>
             </a:ext>
             <a:ext uri="{91240B29-F687-4f45-9708-019B960494DF}">
-              <a14:hiddenLine xmlns:a14="http://schemas.microsoft.com/office/drawing/2010/main" xmlns="" w="9525">
+              <a14:hiddenLine xmlns="" xmlns:a14="http://schemas.microsoft.com/office/drawing/2010/main" w="9525">
                 <a:solidFill>
                   <a:srgbClr val="000000"/>
                 </a:solidFill>
@@ -6352,7 +6352,7 @@
           </a:ln>
           <a:extLst>
             <a:ext uri="{909E8E84-426E-40dd-AFC4-6F175D3DCCD1}">
-              <a14:hiddenFill xmlns:a14="http://schemas.microsoft.com/office/drawing/2010/main" xmlns="">
+              <a14:hiddenFill xmlns="" xmlns:a14="http://schemas.microsoft.com/office/drawing/2010/main">
                 <a:solidFill>
                   <a:srgbClr val="FFFFFF"/>
                 </a:solidFill>
@@ -6375,14 +6375,14 @@
           <a:noFill/>
           <a:extLst>
             <a:ext uri="{909E8E84-426E-40dd-AFC4-6F175D3DCCD1}">
-              <a14:hiddenFill xmlns:a14="http://schemas.microsoft.com/office/drawing/2010/main" xmlns="">
+              <a14:hiddenFill xmlns="" xmlns:a14="http://schemas.microsoft.com/office/drawing/2010/main">
                 <a:solidFill>
                   <a:srgbClr val="FFFFFF"/>
                 </a:solidFill>
               </a14:hiddenFill>
             </a:ext>
             <a:ext uri="{91240B29-F687-4f45-9708-019B960494DF}">
-              <a14:hiddenLine xmlns:a14="http://schemas.microsoft.com/office/drawing/2010/main" xmlns="" w="9525">
+              <a14:hiddenLine xmlns="" xmlns:a14="http://schemas.microsoft.com/office/drawing/2010/main" w="9525">
                 <a:solidFill>
                   <a:srgbClr val="000000"/>
                 </a:solidFill>
@@ -6598,7 +6598,7 @@
           </a:ln>
           <a:extLst>
             <a:ext uri="{909E8E84-426E-40dd-AFC4-6F175D3DCCD1}">
-              <a14:hiddenFill xmlns:a14="http://schemas.microsoft.com/office/drawing/2010/main" xmlns="">
+              <a14:hiddenFill xmlns="" xmlns:a14="http://schemas.microsoft.com/office/drawing/2010/main">
                 <a:solidFill>
                   <a:srgbClr val="FFFFFF"/>
                 </a:solidFill>
@@ -6621,14 +6621,14 @@
           <a:noFill/>
           <a:extLst>
             <a:ext uri="{909E8E84-426E-40dd-AFC4-6F175D3DCCD1}">
-              <a14:hiddenFill xmlns:a14="http://schemas.microsoft.com/office/drawing/2010/main" xmlns="">
+              <a14:hiddenFill xmlns="" xmlns:a14="http://schemas.microsoft.com/office/drawing/2010/main">
                 <a:solidFill>
                   <a:srgbClr val="FFFFFF"/>
                 </a:solidFill>
               </a14:hiddenFill>
             </a:ext>
             <a:ext uri="{91240B29-F687-4f45-9708-019B960494DF}">
-              <a14:hiddenLine xmlns:a14="http://schemas.microsoft.com/office/drawing/2010/main" xmlns="" w="9525">
+              <a14:hiddenLine xmlns="" xmlns:a14="http://schemas.microsoft.com/office/drawing/2010/main" w="9525">
                 <a:solidFill>
                   <a:srgbClr val="000000"/>
                 </a:solidFill>
@@ -6844,7 +6844,7 @@
           </a:ln>
           <a:extLst>
             <a:ext uri="{909E8E84-426E-40dd-AFC4-6F175D3DCCD1}">
-              <a14:hiddenFill xmlns:a14="http://schemas.microsoft.com/office/drawing/2010/main" xmlns="">
+              <a14:hiddenFill xmlns="" xmlns:a14="http://schemas.microsoft.com/office/drawing/2010/main">
                 <a:solidFill>
                   <a:srgbClr val="FFFFFF"/>
                 </a:solidFill>
@@ -6867,14 +6867,14 @@
           <a:noFill/>
           <a:extLst>
             <a:ext uri="{909E8E84-426E-40dd-AFC4-6F175D3DCCD1}">
-              <a14:hiddenFill xmlns:a14="http://schemas.microsoft.com/office/drawing/2010/main" xmlns="">
+              <a14:hiddenFill xmlns="" xmlns:a14="http://schemas.microsoft.com/office/drawing/2010/main">
                 <a:solidFill>
                   <a:srgbClr val="FFFFFF"/>
                 </a:solidFill>
               </a14:hiddenFill>
             </a:ext>
             <a:ext uri="{91240B29-F687-4f45-9708-019B960494DF}">
-              <a14:hiddenLine xmlns:a14="http://schemas.microsoft.com/office/drawing/2010/main" xmlns="" w="9525">
+              <a14:hiddenLine xmlns="" xmlns:a14="http://schemas.microsoft.com/office/drawing/2010/main" w="9525">
                 <a:solidFill>
                   <a:srgbClr val="000000"/>
                 </a:solidFill>
@@ -7090,7 +7090,7 @@
           </a:ln>
           <a:extLst>
             <a:ext uri="{909E8E84-426E-40dd-AFC4-6F175D3DCCD1}">
-              <a14:hiddenFill xmlns:a14="http://schemas.microsoft.com/office/drawing/2010/main" xmlns="">
+              <a14:hiddenFill xmlns="" xmlns:a14="http://schemas.microsoft.com/office/drawing/2010/main">
                 <a:solidFill>
                   <a:srgbClr val="FFFFFF"/>
                 </a:solidFill>
@@ -7113,14 +7113,14 @@
           <a:noFill/>
           <a:extLst>
             <a:ext uri="{909E8E84-426E-40dd-AFC4-6F175D3DCCD1}">
-              <a14:hiddenFill xmlns:a14="http://schemas.microsoft.com/office/drawing/2010/main" xmlns="">
+              <a14:hiddenFill xmlns="" xmlns:a14="http://schemas.microsoft.com/office/drawing/2010/main">
                 <a:solidFill>
                   <a:srgbClr val="FFFFFF"/>
                 </a:solidFill>
               </a14:hiddenFill>
             </a:ext>
             <a:ext uri="{91240B29-F687-4f45-9708-019B960494DF}">
-              <a14:hiddenLine xmlns:a14="http://schemas.microsoft.com/office/drawing/2010/main" xmlns="" w="9525">
+              <a14:hiddenLine xmlns="" xmlns:a14="http://schemas.microsoft.com/office/drawing/2010/main" w="9525">
                 <a:solidFill>
                   <a:srgbClr val="000000"/>
                 </a:solidFill>
@@ -7336,7 +7336,7 @@
           </a:ln>
           <a:extLst>
             <a:ext uri="{909E8E84-426E-40dd-AFC4-6F175D3DCCD1}">
-              <a14:hiddenFill xmlns:a14="http://schemas.microsoft.com/office/drawing/2010/main" xmlns="">
+              <a14:hiddenFill xmlns="" xmlns:a14="http://schemas.microsoft.com/office/drawing/2010/main">
                 <a:solidFill>
                   <a:srgbClr val="FFFFFF"/>
                 </a:solidFill>
@@ -7359,14 +7359,14 @@
           <a:noFill/>
           <a:extLst>
             <a:ext uri="{909E8E84-426E-40dd-AFC4-6F175D3DCCD1}">
-              <a14:hiddenFill xmlns:a14="http://schemas.microsoft.com/office/drawing/2010/main" xmlns="">
+              <a14:hiddenFill xmlns="" xmlns:a14="http://schemas.microsoft.com/office/drawing/2010/main">
                 <a:solidFill>
                   <a:srgbClr val="FFFFFF"/>
                 </a:solidFill>
               </a14:hiddenFill>
             </a:ext>
             <a:ext uri="{91240B29-F687-4f45-9708-019B960494DF}">
-              <a14:hiddenLine xmlns:a14="http://schemas.microsoft.com/office/drawing/2010/main" xmlns="" w="9525">
+              <a14:hiddenLine xmlns="" xmlns:a14="http://schemas.microsoft.com/office/drawing/2010/main" w="9525">
                 <a:solidFill>
                   <a:srgbClr val="000000"/>
                 </a:solidFill>
@@ -7582,7 +7582,7 @@
           </a:ln>
           <a:extLst>
             <a:ext uri="{909E8E84-426E-40dd-AFC4-6F175D3DCCD1}">
-              <a14:hiddenFill xmlns:a14="http://schemas.microsoft.com/office/drawing/2010/main" xmlns="">
+              <a14:hiddenFill xmlns="" xmlns:a14="http://schemas.microsoft.com/office/drawing/2010/main">
                 <a:solidFill>
                   <a:srgbClr val="FFFFFF"/>
                 </a:solidFill>
@@ -7605,14 +7605,14 @@
           <a:noFill/>
           <a:extLst>
             <a:ext uri="{909E8E84-426E-40dd-AFC4-6F175D3DCCD1}">
-              <a14:hiddenFill xmlns:a14="http://schemas.microsoft.com/office/drawing/2010/main" xmlns="">
+              <a14:hiddenFill xmlns="" xmlns:a14="http://schemas.microsoft.com/office/drawing/2010/main">
                 <a:solidFill>
                   <a:srgbClr val="FFFFFF"/>
                 </a:solidFill>
               </a14:hiddenFill>
             </a:ext>
             <a:ext uri="{91240B29-F687-4f45-9708-019B960494DF}">
-              <a14:hiddenLine xmlns:a14="http://schemas.microsoft.com/office/drawing/2010/main" xmlns="" w="9525">
+              <a14:hiddenLine xmlns="" xmlns:a14="http://schemas.microsoft.com/office/drawing/2010/main" w="9525">
                 <a:solidFill>
                   <a:srgbClr val="000000"/>
                 </a:solidFill>
@@ -7828,7 +7828,7 @@
           </a:ln>
           <a:extLst>
             <a:ext uri="{909E8E84-426E-40dd-AFC4-6F175D3DCCD1}">
-              <a14:hiddenFill xmlns:a14="http://schemas.microsoft.com/office/drawing/2010/main" xmlns="">
+              <a14:hiddenFill xmlns="" xmlns:a14="http://schemas.microsoft.com/office/drawing/2010/main">
                 <a:solidFill>
                   <a:srgbClr val="FFFFFF"/>
                 </a:solidFill>
@@ -7851,14 +7851,14 @@
           <a:noFill/>
           <a:extLst>
             <a:ext uri="{909E8E84-426E-40dd-AFC4-6F175D3DCCD1}">
-              <a14:hiddenFill xmlns:a14="http://schemas.microsoft.com/office/drawing/2010/main" xmlns="">
+              <a14:hiddenFill xmlns="" xmlns:a14="http://schemas.microsoft.com/office/drawing/2010/main">
                 <a:solidFill>
                   <a:srgbClr val="FFFFFF"/>
                 </a:solidFill>
               </a14:hiddenFill>
             </a:ext>
             <a:ext uri="{91240B29-F687-4f45-9708-019B960494DF}">
-              <a14:hiddenLine xmlns:a14="http://schemas.microsoft.com/office/drawing/2010/main" xmlns="" w="9525">
+              <a14:hiddenLine xmlns="" xmlns:a14="http://schemas.microsoft.com/office/drawing/2010/main" w="9525">
                 <a:solidFill>
                   <a:srgbClr val="000000"/>
                 </a:solidFill>
@@ -10797,14 +10797,14 @@
           </a:ln>
           <a:extLst>
             <a:ext uri="{909E8E84-426E-40dd-AFC4-6F175D3DCCD1}">
-              <a14:hiddenFill xmlns:a14="http://schemas.microsoft.com/office/drawing/2010/main" xmlns="">
+              <a14:hiddenFill xmlns="" xmlns:a14="http://schemas.microsoft.com/office/drawing/2010/main">
                 <a:solidFill>
                   <a:srgbClr val="FFFFFF"/>
                 </a:solidFill>
               </a14:hiddenFill>
             </a:ext>
             <a:ext uri="{91240B29-F687-4f45-9708-019B960494DF}">
-              <a14:hiddenLine xmlns:a14="http://schemas.microsoft.com/office/drawing/2010/main" xmlns="" w="9525">
+              <a14:hiddenLine xmlns="" xmlns:a14="http://schemas.microsoft.com/office/drawing/2010/main" w="9525">
                 <a:solidFill>
                   <a:srgbClr val="000000"/>
                 </a:solidFill>
@@ -10855,14 +10855,14 @@
           </a:ln>
           <a:extLst>
             <a:ext uri="{909E8E84-426E-40dd-AFC4-6F175D3DCCD1}">
-              <a14:hiddenFill xmlns:a14="http://schemas.microsoft.com/office/drawing/2010/main" xmlns="">
+              <a14:hiddenFill xmlns="" xmlns:a14="http://schemas.microsoft.com/office/drawing/2010/main">
                 <a:solidFill>
                   <a:srgbClr val="FFFFFF"/>
                 </a:solidFill>
               </a14:hiddenFill>
             </a:ext>
             <a:ext uri="{91240B29-F687-4f45-9708-019B960494DF}">
-              <a14:hiddenLine xmlns:a14="http://schemas.microsoft.com/office/drawing/2010/main" xmlns="" w="9525">
+              <a14:hiddenLine xmlns="" xmlns:a14="http://schemas.microsoft.com/office/drawing/2010/main" w="9525">
                 <a:solidFill>
                   <a:srgbClr val="000000"/>
                 </a:solidFill>
@@ -11510,14 +11510,14 @@
           </a:ln>
           <a:extLst>
             <a:ext uri="{909E8E84-426E-40dd-AFC4-6F175D3DCCD1}">
-              <a14:hiddenFill xmlns:a14="http://schemas.microsoft.com/office/drawing/2010/main" xmlns="">
+              <a14:hiddenFill xmlns="" xmlns:a14="http://schemas.microsoft.com/office/drawing/2010/main">
                 <a:solidFill>
                   <a:srgbClr val="FFFFFF"/>
                 </a:solidFill>
               </a14:hiddenFill>
             </a:ext>
             <a:ext uri="{91240B29-F687-4f45-9708-019B960494DF}">
-              <a14:hiddenLine xmlns:a14="http://schemas.microsoft.com/office/drawing/2010/main" xmlns="" w="9525">
+              <a14:hiddenLine xmlns="" xmlns:a14="http://schemas.microsoft.com/office/drawing/2010/main" w="9525">
                 <a:solidFill>
                   <a:srgbClr val="000000"/>
                 </a:solidFill>
@@ -11691,14 +11691,14 @@
           </a:ln>
           <a:extLst>
             <a:ext uri="{909E8E84-426E-40dd-AFC4-6F175D3DCCD1}">
-              <a14:hiddenFill xmlns:a14="http://schemas.microsoft.com/office/drawing/2010/main" xmlns="">
+              <a14:hiddenFill xmlns="" xmlns:a14="http://schemas.microsoft.com/office/drawing/2010/main">
                 <a:solidFill>
                   <a:srgbClr val="FFFFFF"/>
                 </a:solidFill>
               </a14:hiddenFill>
             </a:ext>
             <a:ext uri="{91240B29-F687-4f45-9708-019B960494DF}">
-              <a14:hiddenLine xmlns:a14="http://schemas.microsoft.com/office/drawing/2010/main" xmlns="" w="9525">
+              <a14:hiddenLine xmlns="" xmlns:a14="http://schemas.microsoft.com/office/drawing/2010/main" w="9525">
                 <a:solidFill>
                   <a:srgbClr val="000000"/>
                 </a:solidFill>
@@ -11862,14 +11862,14 @@
           </a:ln>
           <a:extLst>
             <a:ext uri="{909E8E84-426E-40dd-AFC4-6F175D3DCCD1}">
-              <a14:hiddenFill xmlns:a14="http://schemas.microsoft.com/office/drawing/2010/main" xmlns="">
+              <a14:hiddenFill xmlns="" xmlns:a14="http://schemas.microsoft.com/office/drawing/2010/main">
                 <a:solidFill>
                   <a:srgbClr val="FFFFFF"/>
                 </a:solidFill>
               </a14:hiddenFill>
             </a:ext>
             <a:ext uri="{91240B29-F687-4f45-9708-019B960494DF}">
-              <a14:hiddenLine xmlns:a14="http://schemas.microsoft.com/office/drawing/2010/main" xmlns="" w="9525">
+              <a14:hiddenLine xmlns="" xmlns:a14="http://schemas.microsoft.com/office/drawing/2010/main" w="9525">
                 <a:solidFill>
                   <a:srgbClr val="000000"/>
                 </a:solidFill>
@@ -12055,14 +12055,14 @@
           </a:ln>
           <a:extLst>
             <a:ext uri="{909E8E84-426E-40dd-AFC4-6F175D3DCCD1}">
-              <a14:hiddenFill xmlns:a14="http://schemas.microsoft.com/office/drawing/2010/main" xmlns="">
+              <a14:hiddenFill xmlns="" xmlns:a14="http://schemas.microsoft.com/office/drawing/2010/main">
                 <a:solidFill>
                   <a:srgbClr val="FFFFFF"/>
                 </a:solidFill>
               </a14:hiddenFill>
             </a:ext>
             <a:ext uri="{91240B29-F687-4f45-9708-019B960494DF}">
-              <a14:hiddenLine xmlns:a14="http://schemas.microsoft.com/office/drawing/2010/main" xmlns="" w="9525">
+              <a14:hiddenLine xmlns="" xmlns:a14="http://schemas.microsoft.com/office/drawing/2010/main" w="9525">
                 <a:solidFill>
                   <a:srgbClr val="000000"/>
                 </a:solidFill>
@@ -12109,14 +12109,14 @@
           </a:ln>
           <a:extLst>
             <a:ext uri="{909E8E84-426E-40dd-AFC4-6F175D3DCCD1}">
-              <a14:hiddenFill xmlns:a14="http://schemas.microsoft.com/office/drawing/2010/main" xmlns="">
+              <a14:hiddenFill xmlns="" xmlns:a14="http://schemas.microsoft.com/office/drawing/2010/main">
                 <a:solidFill>
                   <a:srgbClr val="FFFFFF"/>
                 </a:solidFill>
               </a14:hiddenFill>
             </a:ext>
             <a:ext uri="{91240B29-F687-4f45-9708-019B960494DF}">
-              <a14:hiddenLine xmlns:a14="http://schemas.microsoft.com/office/drawing/2010/main" xmlns="" w="9525">
+              <a14:hiddenLine xmlns="" xmlns:a14="http://schemas.microsoft.com/office/drawing/2010/main" w="9525">
                 <a:solidFill>
                   <a:srgbClr val="000000"/>
                 </a:solidFill>
@@ -12277,14 +12277,14 @@
           </a:ln>
           <a:extLst>
             <a:ext uri="{909E8E84-426E-40dd-AFC4-6F175D3DCCD1}">
-              <a14:hiddenFill xmlns:a14="http://schemas.microsoft.com/office/drawing/2010/main" xmlns="">
+              <a14:hiddenFill xmlns="" xmlns:a14="http://schemas.microsoft.com/office/drawing/2010/main">
                 <a:solidFill>
                   <a:srgbClr val="FFFFFF"/>
                 </a:solidFill>
               </a14:hiddenFill>
             </a:ext>
             <a:ext uri="{91240B29-F687-4f45-9708-019B960494DF}">
-              <a14:hiddenLine xmlns:a14="http://schemas.microsoft.com/office/drawing/2010/main" xmlns="" w="9525">
+              <a14:hiddenLine xmlns="" xmlns:a14="http://schemas.microsoft.com/office/drawing/2010/main" w="9525">
                 <a:solidFill>
                   <a:srgbClr val="000000"/>
                 </a:solidFill>
@@ -12498,14 +12498,14 @@
           <a:noFill/>
           <a:extLst>
             <a:ext uri="{909E8E84-426E-40dd-AFC4-6F175D3DCCD1}">
-              <a14:hiddenFill xmlns:a14="http://schemas.microsoft.com/office/drawing/2010/main" xmlns="">
+              <a14:hiddenFill xmlns="" xmlns:a14="http://schemas.microsoft.com/office/drawing/2010/main">
                 <a:solidFill>
                   <a:srgbClr val="FFFFFF"/>
                 </a:solidFill>
               </a14:hiddenFill>
             </a:ext>
             <a:ext uri="{91240B29-F687-4f45-9708-019B960494DF}">
-              <a14:hiddenLine xmlns:a14="http://schemas.microsoft.com/office/drawing/2010/main" xmlns="" w="9525">
+              <a14:hiddenLine xmlns="" xmlns:a14="http://schemas.microsoft.com/office/drawing/2010/main" w="9525">
                 <a:solidFill>
                   <a:srgbClr val="000000"/>
                 </a:solidFill>
@@ -12724,14 +12724,14 @@
           </a:ln>
           <a:extLst>
             <a:ext uri="{909E8E84-426E-40dd-AFC4-6F175D3DCCD1}">
-              <a14:hiddenFill xmlns:a14="http://schemas.microsoft.com/office/drawing/2010/main" xmlns="">
+              <a14:hiddenFill xmlns="" xmlns:a14="http://schemas.microsoft.com/office/drawing/2010/main">
                 <a:solidFill>
                   <a:srgbClr val="FFFFFF"/>
                 </a:solidFill>
               </a14:hiddenFill>
             </a:ext>
             <a:ext uri="{91240B29-F687-4f45-9708-019B960494DF}">
-              <a14:hiddenLine xmlns:a14="http://schemas.microsoft.com/office/drawing/2010/main" xmlns="" w="9525">
+              <a14:hiddenLine xmlns="" xmlns:a14="http://schemas.microsoft.com/office/drawing/2010/main" w="9525">
                 <a:solidFill>
                   <a:srgbClr val="000000"/>
                 </a:solidFill>
@@ -13918,14 +13918,14 @@
           </a:ln>
           <a:extLst>
             <a:ext uri="{909E8E84-426E-40dd-AFC4-6F175D3DCCD1}">
-              <a14:hiddenFill xmlns:a14="http://schemas.microsoft.com/office/drawing/2010/main" xmlns="">
+              <a14:hiddenFill xmlns="" xmlns:a14="http://schemas.microsoft.com/office/drawing/2010/main">
                 <a:solidFill>
                   <a:srgbClr val="FFFFFF"/>
                 </a:solidFill>
               </a14:hiddenFill>
             </a:ext>
             <a:ext uri="{91240B29-F687-4f45-9708-019B960494DF}">
-              <a14:hiddenLine xmlns:a14="http://schemas.microsoft.com/office/drawing/2010/main" xmlns="" w="9525">
+              <a14:hiddenLine xmlns="" xmlns:a14="http://schemas.microsoft.com/office/drawing/2010/main" w="9525">
                 <a:solidFill>
                   <a:srgbClr val="000000"/>
                 </a:solidFill>
@@ -14139,14 +14139,14 @@
           <a:noFill/>
           <a:extLst>
             <a:ext uri="{909E8E84-426E-40dd-AFC4-6F175D3DCCD1}">
-              <a14:hiddenFill xmlns:a14="http://schemas.microsoft.com/office/drawing/2010/main" xmlns="">
+              <a14:hiddenFill xmlns="" xmlns:a14="http://schemas.microsoft.com/office/drawing/2010/main">
                 <a:solidFill>
                   <a:srgbClr val="FFFFFF"/>
                 </a:solidFill>
               </a14:hiddenFill>
             </a:ext>
             <a:ext uri="{91240B29-F687-4f45-9708-019B960494DF}">
-              <a14:hiddenLine xmlns:a14="http://schemas.microsoft.com/office/drawing/2010/main" xmlns="" w="9525">
+              <a14:hiddenLine xmlns="" xmlns:a14="http://schemas.microsoft.com/office/drawing/2010/main" w="9525">
                 <a:solidFill>
                   <a:srgbClr val="000000"/>
                 </a:solidFill>
@@ -14365,14 +14365,14 @@
           </a:ln>
           <a:extLst>
             <a:ext uri="{909E8E84-426E-40dd-AFC4-6F175D3DCCD1}">
-              <a14:hiddenFill xmlns:a14="http://schemas.microsoft.com/office/drawing/2010/main" xmlns="">
+              <a14:hiddenFill xmlns="" xmlns:a14="http://schemas.microsoft.com/office/drawing/2010/main">
                 <a:solidFill>
                   <a:srgbClr val="FFFFFF"/>
                 </a:solidFill>
               </a14:hiddenFill>
             </a:ext>
             <a:ext uri="{91240B29-F687-4f45-9708-019B960494DF}">
-              <a14:hiddenLine xmlns:a14="http://schemas.microsoft.com/office/drawing/2010/main" xmlns="" w="9525">
+              <a14:hiddenLine xmlns="" xmlns:a14="http://schemas.microsoft.com/office/drawing/2010/main" w="9525">
                 <a:solidFill>
                   <a:srgbClr val="000000"/>
                 </a:solidFill>
@@ -15116,14 +15116,14 @@
           </a:ln>
           <a:extLst>
             <a:ext uri="{909E8E84-426E-40dd-AFC4-6F175D3DCCD1}">
-              <a14:hiddenFill xmlns:a14="http://schemas.microsoft.com/office/drawing/2010/main" xmlns="">
+              <a14:hiddenFill xmlns="" xmlns:a14="http://schemas.microsoft.com/office/drawing/2010/main">
                 <a:solidFill>
                   <a:srgbClr val="FFFFFF"/>
                 </a:solidFill>
               </a14:hiddenFill>
             </a:ext>
             <a:ext uri="{91240B29-F687-4f45-9708-019B960494DF}">
-              <a14:hiddenLine xmlns:a14="http://schemas.microsoft.com/office/drawing/2010/main" xmlns="" w="9525">
+              <a14:hiddenLine xmlns="" xmlns:a14="http://schemas.microsoft.com/office/drawing/2010/main" w="9525">
                 <a:solidFill>
                   <a:srgbClr val="000000"/>
                 </a:solidFill>
@@ -15337,14 +15337,14 @@
           <a:noFill/>
           <a:extLst>
             <a:ext uri="{909E8E84-426E-40dd-AFC4-6F175D3DCCD1}">
-              <a14:hiddenFill xmlns:a14="http://schemas.microsoft.com/office/drawing/2010/main" xmlns="">
+              <a14:hiddenFill xmlns="" xmlns:a14="http://schemas.microsoft.com/office/drawing/2010/main">
                 <a:solidFill>
                   <a:srgbClr val="FFFFFF"/>
                 </a:solidFill>
               </a14:hiddenFill>
             </a:ext>
             <a:ext uri="{91240B29-F687-4f45-9708-019B960494DF}">
-              <a14:hiddenLine xmlns:a14="http://schemas.microsoft.com/office/drawing/2010/main" xmlns="" w="9525">
+              <a14:hiddenLine xmlns="" xmlns:a14="http://schemas.microsoft.com/office/drawing/2010/main" w="9525">
                 <a:solidFill>
                   <a:srgbClr val="000000"/>
                 </a:solidFill>
@@ -15563,14 +15563,14 @@
           </a:ln>
           <a:extLst>
             <a:ext uri="{909E8E84-426E-40dd-AFC4-6F175D3DCCD1}">
-              <a14:hiddenFill xmlns:a14="http://schemas.microsoft.com/office/drawing/2010/main" xmlns="">
+              <a14:hiddenFill xmlns="" xmlns:a14="http://schemas.microsoft.com/office/drawing/2010/main">
                 <a:solidFill>
                   <a:srgbClr val="FFFFFF"/>
                 </a:solidFill>
               </a14:hiddenFill>
             </a:ext>
             <a:ext uri="{91240B29-F687-4f45-9708-019B960494DF}">
-              <a14:hiddenLine xmlns:a14="http://schemas.microsoft.com/office/drawing/2010/main" xmlns="" w="9525">
+              <a14:hiddenLine xmlns="" xmlns:a14="http://schemas.microsoft.com/office/drawing/2010/main" w="9525">
                 <a:solidFill>
                   <a:srgbClr val="000000"/>
                 </a:solidFill>
@@ -16133,14 +16133,14 @@
           </a:ln>
           <a:extLst>
             <a:ext uri="{909E8E84-426E-40dd-AFC4-6F175D3DCCD1}">
-              <a14:hiddenFill xmlns:a14="http://schemas.microsoft.com/office/drawing/2010/main" xmlns="">
+              <a14:hiddenFill xmlns="" xmlns:a14="http://schemas.microsoft.com/office/drawing/2010/main">
                 <a:solidFill>
                   <a:srgbClr val="FFFFFF"/>
                 </a:solidFill>
               </a14:hiddenFill>
             </a:ext>
             <a:ext uri="{91240B29-F687-4f45-9708-019B960494DF}">
-              <a14:hiddenLine xmlns:a14="http://schemas.microsoft.com/office/drawing/2010/main" xmlns="" w="9525">
+              <a14:hiddenLine xmlns="" xmlns:a14="http://schemas.microsoft.com/office/drawing/2010/main" w="9525">
                 <a:solidFill>
                   <a:srgbClr val="000000"/>
                 </a:solidFill>
@@ -16354,14 +16354,14 @@
           <a:noFill/>
           <a:extLst>
             <a:ext uri="{909E8E84-426E-40dd-AFC4-6F175D3DCCD1}">
-              <a14:hiddenFill xmlns:a14="http://schemas.microsoft.com/office/drawing/2010/main" xmlns="">
+              <a14:hiddenFill xmlns="" xmlns:a14="http://schemas.microsoft.com/office/drawing/2010/main">
                 <a:solidFill>
                   <a:srgbClr val="FFFFFF"/>
                 </a:solidFill>
               </a14:hiddenFill>
             </a:ext>
             <a:ext uri="{91240B29-F687-4f45-9708-019B960494DF}">
-              <a14:hiddenLine xmlns:a14="http://schemas.microsoft.com/office/drawing/2010/main" xmlns="" w="9525">
+              <a14:hiddenLine xmlns="" xmlns:a14="http://schemas.microsoft.com/office/drawing/2010/main" w="9525">
                 <a:solidFill>
                   <a:srgbClr val="000000"/>
                 </a:solidFill>
@@ -16580,14 +16580,14 @@
           </a:ln>
           <a:extLst>
             <a:ext uri="{909E8E84-426E-40dd-AFC4-6F175D3DCCD1}">
-              <a14:hiddenFill xmlns:a14="http://schemas.microsoft.com/office/drawing/2010/main" xmlns="">
+              <a14:hiddenFill xmlns="" xmlns:a14="http://schemas.microsoft.com/office/drawing/2010/main">
                 <a:solidFill>
                   <a:srgbClr val="FFFFFF"/>
                 </a:solidFill>
               </a14:hiddenFill>
             </a:ext>
             <a:ext uri="{91240B29-F687-4f45-9708-019B960494DF}">
-              <a14:hiddenLine xmlns:a14="http://schemas.microsoft.com/office/drawing/2010/main" xmlns="" w="9525">
+              <a14:hiddenLine xmlns="" xmlns:a14="http://schemas.microsoft.com/office/drawing/2010/main" w="9525">
                 <a:solidFill>
                   <a:srgbClr val="000000"/>
                 </a:solidFill>
@@ -17245,14 +17245,14 @@
           </a:ln>
           <a:extLst>
             <a:ext uri="{909E8E84-426E-40dd-AFC4-6F175D3DCCD1}">
-              <a14:hiddenFill xmlns:a14="http://schemas.microsoft.com/office/drawing/2010/main" xmlns="">
+              <a14:hiddenFill xmlns="" xmlns:a14="http://schemas.microsoft.com/office/drawing/2010/main">
                 <a:solidFill>
                   <a:srgbClr val="FFFFFF"/>
                 </a:solidFill>
               </a14:hiddenFill>
             </a:ext>
             <a:ext uri="{91240B29-F687-4f45-9708-019B960494DF}">
-              <a14:hiddenLine xmlns:a14="http://schemas.microsoft.com/office/drawing/2010/main" xmlns="" w="9525">
+              <a14:hiddenLine xmlns="" xmlns:a14="http://schemas.microsoft.com/office/drawing/2010/main" w="9525">
                 <a:solidFill>
                   <a:srgbClr val="000000"/>
                 </a:solidFill>
@@ -17466,14 +17466,14 @@
           <a:noFill/>
           <a:extLst>
             <a:ext uri="{909E8E84-426E-40dd-AFC4-6F175D3DCCD1}">
-              <a14:hiddenFill xmlns:a14="http://schemas.microsoft.com/office/drawing/2010/main" xmlns="">
+              <a14:hiddenFill xmlns="" xmlns:a14="http://schemas.microsoft.com/office/drawing/2010/main">
                 <a:solidFill>
                   <a:srgbClr val="FFFFFF"/>
                 </a:solidFill>
               </a14:hiddenFill>
             </a:ext>
             <a:ext uri="{91240B29-F687-4f45-9708-019B960494DF}">
-              <a14:hiddenLine xmlns:a14="http://schemas.microsoft.com/office/drawing/2010/main" xmlns="" w="9525">
+              <a14:hiddenLine xmlns="" xmlns:a14="http://schemas.microsoft.com/office/drawing/2010/main" w="9525">
                 <a:solidFill>
                   <a:srgbClr val="000000"/>
                 </a:solidFill>
@@ -17692,14 +17692,14 @@
           </a:ln>
           <a:extLst>
             <a:ext uri="{909E8E84-426E-40dd-AFC4-6F175D3DCCD1}">
-              <a14:hiddenFill xmlns:a14="http://schemas.microsoft.com/office/drawing/2010/main" xmlns="">
+              <a14:hiddenFill xmlns="" xmlns:a14="http://schemas.microsoft.com/office/drawing/2010/main">
                 <a:solidFill>
                   <a:srgbClr val="FFFFFF"/>
                 </a:solidFill>
               </a14:hiddenFill>
             </a:ext>
             <a:ext uri="{91240B29-F687-4f45-9708-019B960494DF}">
-              <a14:hiddenLine xmlns:a14="http://schemas.microsoft.com/office/drawing/2010/main" xmlns="" w="9525">
+              <a14:hiddenLine xmlns="" xmlns:a14="http://schemas.microsoft.com/office/drawing/2010/main" w="9525">
                 <a:solidFill>
                   <a:srgbClr val="000000"/>
                 </a:solidFill>
@@ -18395,14 +18395,14 @@
           </a:ln>
           <a:extLst>
             <a:ext uri="{909E8E84-426E-40dd-AFC4-6F175D3DCCD1}">
-              <a14:hiddenFill xmlns:a14="http://schemas.microsoft.com/office/drawing/2010/main" xmlns="">
+              <a14:hiddenFill xmlns="" xmlns:a14="http://schemas.microsoft.com/office/drawing/2010/main">
                 <a:solidFill>
                   <a:srgbClr val="FFFFFF"/>
                 </a:solidFill>
               </a14:hiddenFill>
             </a:ext>
             <a:ext uri="{91240B29-F687-4f45-9708-019B960494DF}">
-              <a14:hiddenLine xmlns:a14="http://schemas.microsoft.com/office/drawing/2010/main" xmlns="" w="9525">
+              <a14:hiddenLine xmlns="" xmlns:a14="http://schemas.microsoft.com/office/drawing/2010/main" w="9525">
                 <a:solidFill>
                   <a:srgbClr val="000000"/>
                 </a:solidFill>
@@ -18616,14 +18616,14 @@
           <a:noFill/>
           <a:extLst>
             <a:ext uri="{909E8E84-426E-40dd-AFC4-6F175D3DCCD1}">
-              <a14:hiddenFill xmlns:a14="http://schemas.microsoft.com/office/drawing/2010/main" xmlns="">
+              <a14:hiddenFill xmlns="" xmlns:a14="http://schemas.microsoft.com/office/drawing/2010/main">
                 <a:solidFill>
                   <a:srgbClr val="FFFFFF"/>
                 </a:solidFill>
               </a14:hiddenFill>
             </a:ext>
             <a:ext uri="{91240B29-F687-4f45-9708-019B960494DF}">
-              <a14:hiddenLine xmlns:a14="http://schemas.microsoft.com/office/drawing/2010/main" xmlns="" w="9525">
+              <a14:hiddenLine xmlns="" xmlns:a14="http://schemas.microsoft.com/office/drawing/2010/main" w="9525">
                 <a:solidFill>
                   <a:srgbClr val="000000"/>
                 </a:solidFill>
@@ -18842,14 +18842,14 @@
           </a:ln>
           <a:extLst>
             <a:ext uri="{909E8E84-426E-40dd-AFC4-6F175D3DCCD1}">
-              <a14:hiddenFill xmlns:a14="http://schemas.microsoft.com/office/drawing/2010/main" xmlns="">
+              <a14:hiddenFill xmlns="" xmlns:a14="http://schemas.microsoft.com/office/drawing/2010/main">
                 <a:solidFill>
                   <a:srgbClr val="FFFFFF"/>
                 </a:solidFill>
               </a14:hiddenFill>
             </a:ext>
             <a:ext uri="{91240B29-F687-4f45-9708-019B960494DF}">
-              <a14:hiddenLine xmlns:a14="http://schemas.microsoft.com/office/drawing/2010/main" xmlns="" w="9525">
+              <a14:hiddenLine xmlns="" xmlns:a14="http://schemas.microsoft.com/office/drawing/2010/main" w="9525">
                 <a:solidFill>
                   <a:srgbClr val="000000"/>
                 </a:solidFill>
@@ -19484,14 +19484,14 @@
           </a:ln>
           <a:extLst>
             <a:ext uri="{909E8E84-426E-40dd-AFC4-6F175D3DCCD1}">
-              <a14:hiddenFill xmlns:a14="http://schemas.microsoft.com/office/drawing/2010/main" xmlns="">
+              <a14:hiddenFill xmlns="" xmlns:a14="http://schemas.microsoft.com/office/drawing/2010/main">
                 <a:solidFill>
                   <a:srgbClr val="FFFFFF"/>
                 </a:solidFill>
               </a14:hiddenFill>
             </a:ext>
             <a:ext uri="{91240B29-F687-4f45-9708-019B960494DF}">
-              <a14:hiddenLine xmlns:a14="http://schemas.microsoft.com/office/drawing/2010/main" xmlns="" w="9525">
+              <a14:hiddenLine xmlns="" xmlns:a14="http://schemas.microsoft.com/office/drawing/2010/main" w="9525">
                 <a:solidFill>
                   <a:srgbClr val="000000"/>
                 </a:solidFill>
@@ -19705,14 +19705,14 @@
           <a:noFill/>
           <a:extLst>
             <a:ext uri="{909E8E84-426E-40dd-AFC4-6F175D3DCCD1}">
-              <a14:hiddenFill xmlns:a14="http://schemas.microsoft.com/office/drawing/2010/main" xmlns="">
+              <a14:hiddenFill xmlns="" xmlns:a14="http://schemas.microsoft.com/office/drawing/2010/main">
                 <a:solidFill>
                   <a:srgbClr val="FFFFFF"/>
                 </a:solidFill>
               </a14:hiddenFill>
             </a:ext>
             <a:ext uri="{91240B29-F687-4f45-9708-019B960494DF}">
-              <a14:hiddenLine xmlns:a14="http://schemas.microsoft.com/office/drawing/2010/main" xmlns="" w="9525">
+              <a14:hiddenLine xmlns="" xmlns:a14="http://schemas.microsoft.com/office/drawing/2010/main" w="9525">
                 <a:solidFill>
                   <a:srgbClr val="000000"/>
                 </a:solidFill>
@@ -19931,14 +19931,14 @@
           </a:ln>
           <a:extLst>
             <a:ext uri="{909E8E84-426E-40dd-AFC4-6F175D3DCCD1}">
-              <a14:hiddenFill xmlns:a14="http://schemas.microsoft.com/office/drawing/2010/main" xmlns="">
+              <a14:hiddenFill xmlns="" xmlns:a14="http://schemas.microsoft.com/office/drawing/2010/main">
                 <a:solidFill>
                   <a:srgbClr val="FFFFFF"/>
                 </a:solidFill>
               </a14:hiddenFill>
             </a:ext>
             <a:ext uri="{91240B29-F687-4f45-9708-019B960494DF}">
-              <a14:hiddenLine xmlns:a14="http://schemas.microsoft.com/office/drawing/2010/main" xmlns="" w="9525">
+              <a14:hiddenLine xmlns="" xmlns:a14="http://schemas.microsoft.com/office/drawing/2010/main" w="9525">
                 <a:solidFill>
                   <a:srgbClr val="000000"/>
                 </a:solidFill>
@@ -20628,14 +20628,14 @@
           </a:ln>
           <a:extLst>
             <a:ext uri="{909E8E84-426E-40dd-AFC4-6F175D3DCCD1}">
-              <a14:hiddenFill xmlns:a14="http://schemas.microsoft.com/office/drawing/2010/main" xmlns="">
+              <a14:hiddenFill xmlns="" xmlns:a14="http://schemas.microsoft.com/office/drawing/2010/main">
                 <a:solidFill>
                   <a:srgbClr val="FFFFFF"/>
                 </a:solidFill>
               </a14:hiddenFill>
             </a:ext>
             <a:ext uri="{91240B29-F687-4f45-9708-019B960494DF}">
-              <a14:hiddenLine xmlns:a14="http://schemas.microsoft.com/office/drawing/2010/main" xmlns="" w="9525">
+              <a14:hiddenLine xmlns="" xmlns:a14="http://schemas.microsoft.com/office/drawing/2010/main" w="9525">
                 <a:solidFill>
                   <a:srgbClr val="000000"/>
                 </a:solidFill>
@@ -20849,14 +20849,14 @@
           <a:noFill/>
           <a:extLst>
             <a:ext uri="{909E8E84-426E-40dd-AFC4-6F175D3DCCD1}">
-              <a14:hiddenFill xmlns:a14="http://schemas.microsoft.com/office/drawing/2010/main" xmlns="">
+              <a14:hiddenFill xmlns="" xmlns:a14="http://schemas.microsoft.com/office/drawing/2010/main">
                 <a:solidFill>
                   <a:srgbClr val="FFFFFF"/>
                 </a:solidFill>
               </a14:hiddenFill>
             </a:ext>
             <a:ext uri="{91240B29-F687-4f45-9708-019B960494DF}">
-              <a14:hiddenLine xmlns:a14="http://schemas.microsoft.com/office/drawing/2010/main" xmlns="" w="9525">
+              <a14:hiddenLine xmlns="" xmlns:a14="http://schemas.microsoft.com/office/drawing/2010/main" w="9525">
                 <a:solidFill>
                   <a:srgbClr val="000000"/>
                 </a:solidFill>
@@ -21075,14 +21075,14 @@
           </a:ln>
           <a:extLst>
             <a:ext uri="{909E8E84-426E-40dd-AFC4-6F175D3DCCD1}">
-              <a14:hiddenFill xmlns:a14="http://schemas.microsoft.com/office/drawing/2010/main" xmlns="">
+              <a14:hiddenFill xmlns="" xmlns:a14="http://schemas.microsoft.com/office/drawing/2010/main">
                 <a:solidFill>
                   <a:srgbClr val="FFFFFF"/>
                 </a:solidFill>
               </a14:hiddenFill>
             </a:ext>
             <a:ext uri="{91240B29-F687-4f45-9708-019B960494DF}">
-              <a14:hiddenLine xmlns:a14="http://schemas.microsoft.com/office/drawing/2010/main" xmlns="" w="9525">
+              <a14:hiddenLine xmlns="" xmlns:a14="http://schemas.microsoft.com/office/drawing/2010/main" w="9525">
                 <a:solidFill>
                   <a:srgbClr val="000000"/>
                 </a:solidFill>
@@ -21793,14 +21793,14 @@
           </a:ln>
           <a:extLst>
             <a:ext uri="{909E8E84-426E-40dd-AFC4-6F175D3DCCD1}">
-              <a14:hiddenFill xmlns:a14="http://schemas.microsoft.com/office/drawing/2010/main" xmlns="">
+              <a14:hiddenFill xmlns="" xmlns:a14="http://schemas.microsoft.com/office/drawing/2010/main">
                 <a:solidFill>
                   <a:srgbClr val="FFFFFF"/>
                 </a:solidFill>
               </a14:hiddenFill>
             </a:ext>
             <a:ext uri="{91240B29-F687-4f45-9708-019B960494DF}">
-              <a14:hiddenLine xmlns:a14="http://schemas.microsoft.com/office/drawing/2010/main" xmlns="" w="9525">
+              <a14:hiddenLine xmlns="" xmlns:a14="http://schemas.microsoft.com/office/drawing/2010/main" w="9525">
                 <a:solidFill>
                   <a:srgbClr val="000000"/>
                 </a:solidFill>
@@ -22014,14 +22014,14 @@
           <a:noFill/>
           <a:extLst>
             <a:ext uri="{909E8E84-426E-40dd-AFC4-6F175D3DCCD1}">
-              <a14:hiddenFill xmlns:a14="http://schemas.microsoft.com/office/drawing/2010/main" xmlns="">
+              <a14:hiddenFill xmlns="" xmlns:a14="http://schemas.microsoft.com/office/drawing/2010/main">
                 <a:solidFill>
                   <a:srgbClr val="FFFFFF"/>
                 </a:solidFill>
               </a14:hiddenFill>
             </a:ext>
             <a:ext uri="{91240B29-F687-4f45-9708-019B960494DF}">
-              <a14:hiddenLine xmlns:a14="http://schemas.microsoft.com/office/drawing/2010/main" xmlns="" w="9525">
+              <a14:hiddenLine xmlns="" xmlns:a14="http://schemas.microsoft.com/office/drawing/2010/main" w="9525">
                 <a:solidFill>
                   <a:srgbClr val="000000"/>
                 </a:solidFill>
@@ -22240,14 +22240,14 @@
           </a:ln>
           <a:extLst>
             <a:ext uri="{909E8E84-426E-40dd-AFC4-6F175D3DCCD1}">
-              <a14:hiddenFill xmlns:a14="http://schemas.microsoft.com/office/drawing/2010/main" xmlns="">
+              <a14:hiddenFill xmlns="" xmlns:a14="http://schemas.microsoft.com/office/drawing/2010/main">
                 <a:solidFill>
                   <a:srgbClr val="FFFFFF"/>
                 </a:solidFill>
               </a14:hiddenFill>
             </a:ext>
             <a:ext uri="{91240B29-F687-4f45-9708-019B960494DF}">
-              <a14:hiddenLine xmlns:a14="http://schemas.microsoft.com/office/drawing/2010/main" xmlns="" w="9525">
+              <a14:hiddenLine xmlns="" xmlns:a14="http://schemas.microsoft.com/office/drawing/2010/main" w="9525">
                 <a:solidFill>
                   <a:srgbClr val="000000"/>
                 </a:solidFill>
@@ -22922,14 +22922,14 @@
           </a:ln>
           <a:extLst>
             <a:ext uri="{909E8E84-426E-40dd-AFC4-6F175D3DCCD1}">
-              <a14:hiddenFill xmlns:a14="http://schemas.microsoft.com/office/drawing/2010/main" xmlns="">
+              <a14:hiddenFill xmlns="" xmlns:a14="http://schemas.microsoft.com/office/drawing/2010/main">
                 <a:solidFill>
                   <a:srgbClr val="FFFFFF"/>
                 </a:solidFill>
               </a14:hiddenFill>
             </a:ext>
             <a:ext uri="{91240B29-F687-4f45-9708-019B960494DF}">
-              <a14:hiddenLine xmlns:a14="http://schemas.microsoft.com/office/drawing/2010/main" xmlns="" w="9525">
+              <a14:hiddenLine xmlns="" xmlns:a14="http://schemas.microsoft.com/office/drawing/2010/main" w="9525">
                 <a:solidFill>
                   <a:srgbClr val="000000"/>
                 </a:solidFill>
@@ -23143,14 +23143,14 @@
           <a:noFill/>
           <a:extLst>
             <a:ext uri="{909E8E84-426E-40dd-AFC4-6F175D3DCCD1}">
-              <a14:hiddenFill xmlns:a14="http://schemas.microsoft.com/office/drawing/2010/main" xmlns="">
+              <a14:hiddenFill xmlns="" xmlns:a14="http://schemas.microsoft.com/office/drawing/2010/main">
                 <a:solidFill>
                   <a:srgbClr val="FFFFFF"/>
                 </a:solidFill>
               </a14:hiddenFill>
             </a:ext>
             <a:ext uri="{91240B29-F687-4f45-9708-019B960494DF}">
-              <a14:hiddenLine xmlns:a14="http://schemas.microsoft.com/office/drawing/2010/main" xmlns="" w="9525">
+              <a14:hiddenLine xmlns="" xmlns:a14="http://schemas.microsoft.com/office/drawing/2010/main" w="9525">
                 <a:solidFill>
                   <a:srgbClr val="000000"/>
                 </a:solidFill>
@@ -23369,14 +23369,14 @@
           </a:ln>
           <a:extLst>
             <a:ext uri="{909E8E84-426E-40dd-AFC4-6F175D3DCCD1}">
-              <a14:hiddenFill xmlns:a14="http://schemas.microsoft.com/office/drawing/2010/main" xmlns="">
+              <a14:hiddenFill xmlns="" xmlns:a14="http://schemas.microsoft.com/office/drawing/2010/main">
                 <a:solidFill>
                   <a:srgbClr val="FFFFFF"/>
                 </a:solidFill>
               </a14:hiddenFill>
             </a:ext>
             <a:ext uri="{91240B29-F687-4f45-9708-019B960494DF}">
-              <a14:hiddenLine xmlns:a14="http://schemas.microsoft.com/office/drawing/2010/main" xmlns="" w="9525">
+              <a14:hiddenLine xmlns="" xmlns:a14="http://schemas.microsoft.com/office/drawing/2010/main" w="9525">
                 <a:solidFill>
                   <a:srgbClr val="000000"/>
                 </a:solidFill>
@@ -23907,14 +23907,14 @@
           </a:ln>
           <a:extLst>
             <a:ext uri="{909E8E84-426E-40dd-AFC4-6F175D3DCCD1}">
-              <a14:hiddenFill xmlns:a14="http://schemas.microsoft.com/office/drawing/2010/main" xmlns="">
+              <a14:hiddenFill xmlns="" xmlns:a14="http://schemas.microsoft.com/office/drawing/2010/main">
                 <a:solidFill>
                   <a:srgbClr val="FFFFFF"/>
                 </a:solidFill>
               </a14:hiddenFill>
             </a:ext>
             <a:ext uri="{91240B29-F687-4f45-9708-019B960494DF}">
-              <a14:hiddenLine xmlns:a14="http://schemas.microsoft.com/office/drawing/2010/main" xmlns="" w="9525">
+              <a14:hiddenLine xmlns="" xmlns:a14="http://schemas.microsoft.com/office/drawing/2010/main" w="9525">
                 <a:solidFill>
                   <a:srgbClr val="000000"/>
                 </a:solidFill>
@@ -24108,14 +24108,14 @@
           <a:noFill/>
           <a:extLst>
             <a:ext uri="{909E8E84-426E-40dd-AFC4-6F175D3DCCD1}">
-              <a14:hiddenFill xmlns:a14="http://schemas.microsoft.com/office/drawing/2010/main" xmlns="">
+              <a14:hiddenFill xmlns="" xmlns:a14="http://schemas.microsoft.com/office/drawing/2010/main">
                 <a:solidFill>
                   <a:srgbClr val="FFFFFF"/>
                 </a:solidFill>
               </a14:hiddenFill>
             </a:ext>
             <a:ext uri="{91240B29-F687-4f45-9708-019B960494DF}">
-              <a14:hiddenLine xmlns:a14="http://schemas.microsoft.com/office/drawing/2010/main" xmlns="" w="9525">
+              <a14:hiddenLine xmlns="" xmlns:a14="http://schemas.microsoft.com/office/drawing/2010/main" w="9525">
                 <a:solidFill>
                   <a:srgbClr val="000000"/>
                 </a:solidFill>
@@ -24334,14 +24334,14 @@
           </a:ln>
           <a:extLst>
             <a:ext uri="{909E8E84-426E-40dd-AFC4-6F175D3DCCD1}">
-              <a14:hiddenFill xmlns:a14="http://schemas.microsoft.com/office/drawing/2010/main" xmlns="">
+              <a14:hiddenFill xmlns="" xmlns:a14="http://schemas.microsoft.com/office/drawing/2010/main">
                 <a:solidFill>
                   <a:srgbClr val="FFFFFF"/>
                 </a:solidFill>
               </a14:hiddenFill>
             </a:ext>
             <a:ext uri="{91240B29-F687-4f45-9708-019B960494DF}">
-              <a14:hiddenLine xmlns:a14="http://schemas.microsoft.com/office/drawing/2010/main" xmlns="" w="9525">
+              <a14:hiddenLine xmlns="" xmlns:a14="http://schemas.microsoft.com/office/drawing/2010/main" w="9525">
                 <a:solidFill>
                   <a:srgbClr val="000000"/>
                 </a:solidFill>
@@ -25249,14 +25249,14 @@
           </a:ln>
           <a:extLst>
             <a:ext uri="{909E8E84-426E-40dd-AFC4-6F175D3DCCD1}">
-              <a14:hiddenFill xmlns:a14="http://schemas.microsoft.com/office/drawing/2010/main" xmlns="">
+              <a14:hiddenFill xmlns="" xmlns:a14="http://schemas.microsoft.com/office/drawing/2010/main">
                 <a:solidFill>
                   <a:srgbClr val="FFFFFF"/>
                 </a:solidFill>
               </a14:hiddenFill>
             </a:ext>
             <a:ext uri="{91240B29-F687-4f45-9708-019B960494DF}">
-              <a14:hiddenLine xmlns:a14="http://schemas.microsoft.com/office/drawing/2010/main" xmlns="" w="9525">
+              <a14:hiddenLine xmlns="" xmlns:a14="http://schemas.microsoft.com/office/drawing/2010/main" w="9525">
                 <a:solidFill>
                   <a:srgbClr val="000000"/>
                 </a:solidFill>
@@ -25470,14 +25470,14 @@
           <a:noFill/>
           <a:extLst>
             <a:ext uri="{909E8E84-426E-40dd-AFC4-6F175D3DCCD1}">
-              <a14:hiddenFill xmlns:a14="http://schemas.microsoft.com/office/drawing/2010/main" xmlns="">
+              <a14:hiddenFill xmlns="" xmlns:a14="http://schemas.microsoft.com/office/drawing/2010/main">
                 <a:solidFill>
                   <a:srgbClr val="FFFFFF"/>
                 </a:solidFill>
               </a14:hiddenFill>
             </a:ext>
             <a:ext uri="{91240B29-F687-4f45-9708-019B960494DF}">
-              <a14:hiddenLine xmlns:a14="http://schemas.microsoft.com/office/drawing/2010/main" xmlns="" w="9525">
+              <a14:hiddenLine xmlns="" xmlns:a14="http://schemas.microsoft.com/office/drawing/2010/main" w="9525">
                 <a:solidFill>
                   <a:srgbClr val="000000"/>
                 </a:solidFill>
@@ -25696,14 +25696,14 @@
           </a:ln>
           <a:extLst>
             <a:ext uri="{909E8E84-426E-40dd-AFC4-6F175D3DCCD1}">
-              <a14:hiddenFill xmlns:a14="http://schemas.microsoft.com/office/drawing/2010/main" xmlns="">
+              <a14:hiddenFill xmlns="" xmlns:a14="http://schemas.microsoft.com/office/drawing/2010/main">
                 <a:solidFill>
                   <a:srgbClr val="FFFFFF"/>
                 </a:solidFill>
               </a14:hiddenFill>
             </a:ext>
             <a:ext uri="{91240B29-F687-4f45-9708-019B960494DF}">
-              <a14:hiddenLine xmlns:a14="http://schemas.microsoft.com/office/drawing/2010/main" xmlns="" w="9525">
+              <a14:hiddenLine xmlns="" xmlns:a14="http://schemas.microsoft.com/office/drawing/2010/main" w="9525">
                 <a:solidFill>
                   <a:srgbClr val="000000"/>
                 </a:solidFill>
@@ -26344,14 +26344,14 @@
           </a:ln>
           <a:extLst>
             <a:ext uri="{909E8E84-426E-40dd-AFC4-6F175D3DCCD1}">
-              <a14:hiddenFill xmlns:a14="http://schemas.microsoft.com/office/drawing/2010/main" xmlns="">
+              <a14:hiddenFill xmlns="" xmlns:a14="http://schemas.microsoft.com/office/drawing/2010/main">
                 <a:solidFill>
                   <a:srgbClr val="FFFFFF"/>
                 </a:solidFill>
               </a14:hiddenFill>
             </a:ext>
             <a:ext uri="{91240B29-F687-4f45-9708-019B960494DF}">
-              <a14:hiddenLine xmlns:a14="http://schemas.microsoft.com/office/drawing/2010/main" xmlns="" w="9525">
+              <a14:hiddenLine xmlns="" xmlns:a14="http://schemas.microsoft.com/office/drawing/2010/main" w="9525">
                 <a:solidFill>
                   <a:srgbClr val="000000"/>
                 </a:solidFill>
@@ -26565,14 +26565,14 @@
           <a:noFill/>
           <a:extLst>
             <a:ext uri="{909E8E84-426E-40dd-AFC4-6F175D3DCCD1}">
-              <a14:hiddenFill xmlns:a14="http://schemas.microsoft.com/office/drawing/2010/main" xmlns="">
+              <a14:hiddenFill xmlns="" xmlns:a14="http://schemas.microsoft.com/office/drawing/2010/main">
                 <a:solidFill>
                   <a:srgbClr val="FFFFFF"/>
                 </a:solidFill>
               </a14:hiddenFill>
             </a:ext>
             <a:ext uri="{91240B29-F687-4f45-9708-019B960494DF}">
-              <a14:hiddenLine xmlns:a14="http://schemas.microsoft.com/office/drawing/2010/main" xmlns="" w="9525">
+              <a14:hiddenLine xmlns="" xmlns:a14="http://schemas.microsoft.com/office/drawing/2010/main" w="9525">
                 <a:solidFill>
                   <a:srgbClr val="000000"/>
                 </a:solidFill>
@@ -26791,14 +26791,14 @@
           </a:ln>
           <a:extLst>
             <a:ext uri="{909E8E84-426E-40dd-AFC4-6F175D3DCCD1}">
-              <a14:hiddenFill xmlns:a14="http://schemas.microsoft.com/office/drawing/2010/main" xmlns="">
+              <a14:hiddenFill xmlns="" xmlns:a14="http://schemas.microsoft.com/office/drawing/2010/main">
                 <a:solidFill>
                   <a:srgbClr val="FFFFFF"/>
                 </a:solidFill>
               </a14:hiddenFill>
             </a:ext>
             <a:ext uri="{91240B29-F687-4f45-9708-019B960494DF}">
-              <a14:hiddenLine xmlns:a14="http://schemas.microsoft.com/office/drawing/2010/main" xmlns="" w="9525">
+              <a14:hiddenLine xmlns="" xmlns:a14="http://schemas.microsoft.com/office/drawing/2010/main" w="9525">
                 <a:solidFill>
                   <a:srgbClr val="000000"/>
                 </a:solidFill>
@@ -27985,14 +27985,14 @@
           </a:ln>
           <a:extLst>
             <a:ext uri="{909E8E84-426E-40dd-AFC4-6F175D3DCCD1}">
-              <a14:hiddenFill xmlns:a14="http://schemas.microsoft.com/office/drawing/2010/main" xmlns="">
+              <a14:hiddenFill xmlns="" xmlns:a14="http://schemas.microsoft.com/office/drawing/2010/main">
                 <a:solidFill>
                   <a:srgbClr val="FFFFFF"/>
                 </a:solidFill>
               </a14:hiddenFill>
             </a:ext>
             <a:ext uri="{91240B29-F687-4f45-9708-019B960494DF}">
-              <a14:hiddenLine xmlns:a14="http://schemas.microsoft.com/office/drawing/2010/main" xmlns="" w="9525">
+              <a14:hiddenLine xmlns="" xmlns:a14="http://schemas.microsoft.com/office/drawing/2010/main" w="9525">
                 <a:solidFill>
                   <a:srgbClr val="000000"/>
                 </a:solidFill>
@@ -28186,14 +28186,14 @@
           <a:noFill/>
           <a:extLst>
             <a:ext uri="{909E8E84-426E-40dd-AFC4-6F175D3DCCD1}">
-              <a14:hiddenFill xmlns:a14="http://schemas.microsoft.com/office/drawing/2010/main" xmlns="">
+              <a14:hiddenFill xmlns="" xmlns:a14="http://schemas.microsoft.com/office/drawing/2010/main">
                 <a:solidFill>
                   <a:srgbClr val="FFFFFF"/>
                 </a:solidFill>
               </a14:hiddenFill>
             </a:ext>
             <a:ext uri="{91240B29-F687-4f45-9708-019B960494DF}">
-              <a14:hiddenLine xmlns:a14="http://schemas.microsoft.com/office/drawing/2010/main" xmlns="" w="9525">
+              <a14:hiddenLine xmlns="" xmlns:a14="http://schemas.microsoft.com/office/drawing/2010/main" w="9525">
                 <a:solidFill>
                   <a:srgbClr val="000000"/>
                 </a:solidFill>
@@ -28412,14 +28412,14 @@
           </a:ln>
           <a:extLst>
             <a:ext uri="{909E8E84-426E-40dd-AFC4-6F175D3DCCD1}">
-              <a14:hiddenFill xmlns:a14="http://schemas.microsoft.com/office/drawing/2010/main" xmlns="">
+              <a14:hiddenFill xmlns="" xmlns:a14="http://schemas.microsoft.com/office/drawing/2010/main">
                 <a:solidFill>
                   <a:srgbClr val="FFFFFF"/>
                 </a:solidFill>
               </a14:hiddenFill>
             </a:ext>
             <a:ext uri="{91240B29-F687-4f45-9708-019B960494DF}">
-              <a14:hiddenLine xmlns:a14="http://schemas.microsoft.com/office/drawing/2010/main" xmlns="" w="9525">
+              <a14:hiddenLine xmlns="" xmlns:a14="http://schemas.microsoft.com/office/drawing/2010/main" w="9525">
                 <a:solidFill>
                   <a:srgbClr val="000000"/>
                 </a:solidFill>
@@ -28921,14 +28921,14 @@
           </a:ln>
           <a:extLst>
             <a:ext uri="{909E8E84-426E-40dd-AFC4-6F175D3DCCD1}">
-              <a14:hiddenFill xmlns:a14="http://schemas.microsoft.com/office/drawing/2010/main" xmlns="">
+              <a14:hiddenFill xmlns="" xmlns:a14="http://schemas.microsoft.com/office/drawing/2010/main">
                 <a:solidFill>
                   <a:srgbClr val="FFFFFF"/>
                 </a:solidFill>
               </a14:hiddenFill>
             </a:ext>
             <a:ext uri="{91240B29-F687-4f45-9708-019B960494DF}">
-              <a14:hiddenLine xmlns:a14="http://schemas.microsoft.com/office/drawing/2010/main" xmlns="" w="9525">
+              <a14:hiddenLine xmlns="" xmlns:a14="http://schemas.microsoft.com/office/drawing/2010/main" w="9525">
                 <a:solidFill>
                   <a:srgbClr val="000000"/>
                 </a:solidFill>
@@ -29122,14 +29122,14 @@
           <a:noFill/>
           <a:extLst>
             <a:ext uri="{909E8E84-426E-40dd-AFC4-6F175D3DCCD1}">
-              <a14:hiddenFill xmlns:a14="http://schemas.microsoft.com/office/drawing/2010/main" xmlns="">
+              <a14:hiddenFill xmlns="" xmlns:a14="http://schemas.microsoft.com/office/drawing/2010/main">
                 <a:solidFill>
                   <a:srgbClr val="FFFFFF"/>
                 </a:solidFill>
               </a14:hiddenFill>
             </a:ext>
             <a:ext uri="{91240B29-F687-4f45-9708-019B960494DF}">
-              <a14:hiddenLine xmlns:a14="http://schemas.microsoft.com/office/drawing/2010/main" xmlns="" w="9525">
+              <a14:hiddenLine xmlns="" xmlns:a14="http://schemas.microsoft.com/office/drawing/2010/main" w="9525">
                 <a:solidFill>
                   <a:srgbClr val="000000"/>
                 </a:solidFill>
@@ -29348,14 +29348,14 @@
           </a:ln>
           <a:extLst>
             <a:ext uri="{909E8E84-426E-40dd-AFC4-6F175D3DCCD1}">
-              <a14:hiddenFill xmlns:a14="http://schemas.microsoft.com/office/drawing/2010/main" xmlns="">
+              <a14:hiddenFill xmlns="" xmlns:a14="http://schemas.microsoft.com/office/drawing/2010/main">
                 <a:solidFill>
                   <a:srgbClr val="FFFFFF"/>
                 </a:solidFill>
               </a14:hiddenFill>
             </a:ext>
             <a:ext uri="{91240B29-F687-4f45-9708-019B960494DF}">
-              <a14:hiddenLine xmlns:a14="http://schemas.microsoft.com/office/drawing/2010/main" xmlns="" w="9525">
+              <a14:hiddenLine xmlns="" xmlns:a14="http://schemas.microsoft.com/office/drawing/2010/main" w="9525">
                 <a:solidFill>
                   <a:srgbClr val="000000"/>
                 </a:solidFill>
@@ -29923,14 +29923,14 @@
           </a:ln>
           <a:extLst>
             <a:ext uri="{909E8E84-426E-40dd-AFC4-6F175D3DCCD1}">
-              <a14:hiddenFill xmlns:a14="http://schemas.microsoft.com/office/drawing/2010/main" xmlns="">
+              <a14:hiddenFill xmlns="" xmlns:a14="http://schemas.microsoft.com/office/drawing/2010/main">
                 <a:solidFill>
                   <a:srgbClr val="FFFFFF"/>
                 </a:solidFill>
               </a14:hiddenFill>
             </a:ext>
             <a:ext uri="{91240B29-F687-4f45-9708-019B960494DF}">
-              <a14:hiddenLine xmlns:a14="http://schemas.microsoft.com/office/drawing/2010/main" xmlns="" w="9525">
+              <a14:hiddenLine xmlns="" xmlns:a14="http://schemas.microsoft.com/office/drawing/2010/main" w="9525">
                 <a:solidFill>
                   <a:srgbClr val="000000"/>
                 </a:solidFill>
@@ -30124,14 +30124,14 @@
           <a:noFill/>
           <a:extLst>
             <a:ext uri="{909E8E84-426E-40dd-AFC4-6F175D3DCCD1}">
-              <a14:hiddenFill xmlns:a14="http://schemas.microsoft.com/office/drawing/2010/main" xmlns="">
+              <a14:hiddenFill xmlns="" xmlns:a14="http://schemas.microsoft.com/office/drawing/2010/main">
                 <a:solidFill>
                   <a:srgbClr val="FFFFFF"/>
                 </a:solidFill>
               </a14:hiddenFill>
             </a:ext>
             <a:ext uri="{91240B29-F687-4f45-9708-019B960494DF}">
-              <a14:hiddenLine xmlns:a14="http://schemas.microsoft.com/office/drawing/2010/main" xmlns="" w="9525">
+              <a14:hiddenLine xmlns="" xmlns:a14="http://schemas.microsoft.com/office/drawing/2010/main" w="9525">
                 <a:solidFill>
                   <a:srgbClr val="000000"/>
                 </a:solidFill>
@@ -30350,14 +30350,14 @@
           </a:ln>
           <a:extLst>
             <a:ext uri="{909E8E84-426E-40dd-AFC4-6F175D3DCCD1}">
-              <a14:hiddenFill xmlns:a14="http://schemas.microsoft.com/office/drawing/2010/main" xmlns="">
+              <a14:hiddenFill xmlns="" xmlns:a14="http://schemas.microsoft.com/office/drawing/2010/main">
                 <a:solidFill>
                   <a:srgbClr val="FFFFFF"/>
                 </a:solidFill>
               </a14:hiddenFill>
             </a:ext>
             <a:ext uri="{91240B29-F687-4f45-9708-019B960494DF}">
-              <a14:hiddenLine xmlns:a14="http://schemas.microsoft.com/office/drawing/2010/main" xmlns="" w="9525">
+              <a14:hiddenLine xmlns="" xmlns:a14="http://schemas.microsoft.com/office/drawing/2010/main" w="9525">
                 <a:solidFill>
                   <a:srgbClr val="000000"/>
                 </a:solidFill>
@@ -30932,14 +30932,14 @@
           </a:ln>
           <a:extLst>
             <a:ext uri="{909E8E84-426E-40dd-AFC4-6F175D3DCCD1}">
-              <a14:hiddenFill xmlns:a14="http://schemas.microsoft.com/office/drawing/2010/main" xmlns="">
+              <a14:hiddenFill xmlns="" xmlns:a14="http://schemas.microsoft.com/office/drawing/2010/main">
                 <a:solidFill>
                   <a:srgbClr val="FFFFFF"/>
                 </a:solidFill>
               </a14:hiddenFill>
             </a:ext>
             <a:ext uri="{91240B29-F687-4f45-9708-019B960494DF}">
-              <a14:hiddenLine xmlns:a14="http://schemas.microsoft.com/office/drawing/2010/main" xmlns="" w="9525">
+              <a14:hiddenLine xmlns="" xmlns:a14="http://schemas.microsoft.com/office/drawing/2010/main" w="9525">
                 <a:solidFill>
                   <a:srgbClr val="000000"/>
                 </a:solidFill>
@@ -31133,14 +31133,14 @@
           <a:noFill/>
           <a:extLst>
             <a:ext uri="{909E8E84-426E-40dd-AFC4-6F175D3DCCD1}">
-              <a14:hiddenFill xmlns:a14="http://schemas.microsoft.com/office/drawing/2010/main" xmlns="">
+              <a14:hiddenFill xmlns="" xmlns:a14="http://schemas.microsoft.com/office/drawing/2010/main">
                 <a:solidFill>
                   <a:srgbClr val="FFFFFF"/>
                 </a:solidFill>
               </a14:hiddenFill>
             </a:ext>
             <a:ext uri="{91240B29-F687-4f45-9708-019B960494DF}">
-              <a14:hiddenLine xmlns:a14="http://schemas.microsoft.com/office/drawing/2010/main" xmlns="" w="9525">
+              <a14:hiddenLine xmlns="" xmlns:a14="http://schemas.microsoft.com/office/drawing/2010/main" w="9525">
                 <a:solidFill>
                   <a:srgbClr val="000000"/>
                 </a:solidFill>
@@ -31359,14 +31359,14 @@
           </a:ln>
           <a:extLst>
             <a:ext uri="{909E8E84-426E-40dd-AFC4-6F175D3DCCD1}">
-              <a14:hiddenFill xmlns:a14="http://schemas.microsoft.com/office/drawing/2010/main" xmlns="">
+              <a14:hiddenFill xmlns="" xmlns:a14="http://schemas.microsoft.com/office/drawing/2010/main">
                 <a:solidFill>
                   <a:srgbClr val="FFFFFF"/>
                 </a:solidFill>
               </a14:hiddenFill>
             </a:ext>
             <a:ext uri="{91240B29-F687-4f45-9708-019B960494DF}">
-              <a14:hiddenLine xmlns:a14="http://schemas.microsoft.com/office/drawing/2010/main" xmlns="" w="9525">
+              <a14:hiddenLine xmlns="" xmlns:a14="http://schemas.microsoft.com/office/drawing/2010/main" w="9525">
                 <a:solidFill>
                   <a:srgbClr val="000000"/>
                 </a:solidFill>
@@ -31896,14 +31896,14 @@
           </a:ln>
           <a:extLst>
             <a:ext uri="{909E8E84-426E-40dd-AFC4-6F175D3DCCD1}">
-              <a14:hiddenFill xmlns:a14="http://schemas.microsoft.com/office/drawing/2010/main" xmlns="">
+              <a14:hiddenFill xmlns="" xmlns:a14="http://schemas.microsoft.com/office/drawing/2010/main">
                 <a:solidFill>
                   <a:srgbClr val="FFFFFF"/>
                 </a:solidFill>
               </a14:hiddenFill>
             </a:ext>
             <a:ext uri="{91240B29-F687-4f45-9708-019B960494DF}">
-              <a14:hiddenLine xmlns:a14="http://schemas.microsoft.com/office/drawing/2010/main" xmlns="" w="9525">
+              <a14:hiddenLine xmlns="" xmlns:a14="http://schemas.microsoft.com/office/drawing/2010/main" w="9525">
                 <a:solidFill>
                   <a:srgbClr val="000000"/>
                 </a:solidFill>
@@ -32097,14 +32097,14 @@
           <a:noFill/>
           <a:extLst>
             <a:ext uri="{909E8E84-426E-40dd-AFC4-6F175D3DCCD1}">
-              <a14:hiddenFill xmlns:a14="http://schemas.microsoft.com/office/drawing/2010/main" xmlns="">
+              <a14:hiddenFill xmlns="" xmlns:a14="http://schemas.microsoft.com/office/drawing/2010/main">
                 <a:solidFill>
                   <a:srgbClr val="FFFFFF"/>
                 </a:solidFill>
               </a14:hiddenFill>
             </a:ext>
             <a:ext uri="{91240B29-F687-4f45-9708-019B960494DF}">
-              <a14:hiddenLine xmlns:a14="http://schemas.microsoft.com/office/drawing/2010/main" xmlns="" w="9525">
+              <a14:hiddenLine xmlns="" xmlns:a14="http://schemas.microsoft.com/office/drawing/2010/main" w="9525">
                 <a:solidFill>
                   <a:srgbClr val="000000"/>
                 </a:solidFill>
@@ -32323,14 +32323,14 @@
           </a:ln>
           <a:extLst>
             <a:ext uri="{909E8E84-426E-40dd-AFC4-6F175D3DCCD1}">
-              <a14:hiddenFill xmlns:a14="http://schemas.microsoft.com/office/drawing/2010/main" xmlns="">
+              <a14:hiddenFill xmlns="" xmlns:a14="http://schemas.microsoft.com/office/drawing/2010/main">
                 <a:solidFill>
                   <a:srgbClr val="FFFFFF"/>
                 </a:solidFill>
               </a14:hiddenFill>
             </a:ext>
             <a:ext uri="{91240B29-F687-4f45-9708-019B960494DF}">
-              <a14:hiddenLine xmlns:a14="http://schemas.microsoft.com/office/drawing/2010/main" xmlns="" w="9525">
+              <a14:hiddenLine xmlns="" xmlns:a14="http://schemas.microsoft.com/office/drawing/2010/main" w="9525">
                 <a:solidFill>
                   <a:srgbClr val="000000"/>
                 </a:solidFill>
@@ -32850,14 +32850,14 @@
           </a:ln>
           <a:extLst>
             <a:ext uri="{909E8E84-426E-40dd-AFC4-6F175D3DCCD1}">
-              <a14:hiddenFill xmlns:a14="http://schemas.microsoft.com/office/drawing/2010/main" xmlns="">
+              <a14:hiddenFill xmlns="" xmlns:a14="http://schemas.microsoft.com/office/drawing/2010/main">
                 <a:solidFill>
                   <a:srgbClr val="FFFFFF"/>
                 </a:solidFill>
               </a14:hiddenFill>
             </a:ext>
             <a:ext uri="{91240B29-F687-4f45-9708-019B960494DF}">
-              <a14:hiddenLine xmlns:a14="http://schemas.microsoft.com/office/drawing/2010/main" xmlns="" w="9525">
+              <a14:hiddenLine xmlns="" xmlns:a14="http://schemas.microsoft.com/office/drawing/2010/main" w="9525">
                 <a:solidFill>
                   <a:srgbClr val="000000"/>
                 </a:solidFill>
@@ -33051,14 +33051,14 @@
           <a:noFill/>
           <a:extLst>
             <a:ext uri="{909E8E84-426E-40dd-AFC4-6F175D3DCCD1}">
-              <a14:hiddenFill xmlns:a14="http://schemas.microsoft.com/office/drawing/2010/main" xmlns="">
+              <a14:hiddenFill xmlns="" xmlns:a14="http://schemas.microsoft.com/office/drawing/2010/main">
                 <a:solidFill>
                   <a:srgbClr val="FFFFFF"/>
                 </a:solidFill>
               </a14:hiddenFill>
             </a:ext>
             <a:ext uri="{91240B29-F687-4f45-9708-019B960494DF}">
-              <a14:hiddenLine xmlns:a14="http://schemas.microsoft.com/office/drawing/2010/main" xmlns="" w="9525">
+              <a14:hiddenLine xmlns="" xmlns:a14="http://schemas.microsoft.com/office/drawing/2010/main" w="9525">
                 <a:solidFill>
                   <a:srgbClr val="000000"/>
                 </a:solidFill>
@@ -33277,14 +33277,14 @@
           </a:ln>
           <a:extLst>
             <a:ext uri="{909E8E84-426E-40dd-AFC4-6F175D3DCCD1}">
-              <a14:hiddenFill xmlns:a14="http://schemas.microsoft.com/office/drawing/2010/main" xmlns="">
+              <a14:hiddenFill xmlns="" xmlns:a14="http://schemas.microsoft.com/office/drawing/2010/main">
                 <a:solidFill>
                   <a:srgbClr val="FFFFFF"/>
                 </a:solidFill>
               </a14:hiddenFill>
             </a:ext>
             <a:ext uri="{91240B29-F687-4f45-9708-019B960494DF}">
-              <a14:hiddenLine xmlns:a14="http://schemas.microsoft.com/office/drawing/2010/main" xmlns="" w="9525">
+              <a14:hiddenLine xmlns="" xmlns:a14="http://schemas.microsoft.com/office/drawing/2010/main" w="9525">
                 <a:solidFill>
                   <a:srgbClr val="000000"/>
                 </a:solidFill>
@@ -33733,14 +33733,14 @@
           </a:ln>
           <a:extLst>
             <a:ext uri="{909E8E84-426E-40dd-AFC4-6F175D3DCCD1}">
-              <a14:hiddenFill xmlns:a14="http://schemas.microsoft.com/office/drawing/2010/main" xmlns="">
+              <a14:hiddenFill xmlns="" xmlns:a14="http://schemas.microsoft.com/office/drawing/2010/main">
                 <a:solidFill>
                   <a:srgbClr val="FFFFFF"/>
                 </a:solidFill>
               </a14:hiddenFill>
             </a:ext>
             <a:ext uri="{91240B29-F687-4f45-9708-019B960494DF}">
-              <a14:hiddenLine xmlns:a14="http://schemas.microsoft.com/office/drawing/2010/main" xmlns="" w="9525">
+              <a14:hiddenLine xmlns="" xmlns:a14="http://schemas.microsoft.com/office/drawing/2010/main" w="9525">
                 <a:solidFill>
                   <a:srgbClr val="000000"/>
                 </a:solidFill>
@@ -33934,14 +33934,14 @@
           <a:noFill/>
           <a:extLst>
             <a:ext uri="{909E8E84-426E-40dd-AFC4-6F175D3DCCD1}">
-              <a14:hiddenFill xmlns:a14="http://schemas.microsoft.com/office/drawing/2010/main" xmlns="">
+              <a14:hiddenFill xmlns="" xmlns:a14="http://schemas.microsoft.com/office/drawing/2010/main">
                 <a:solidFill>
                   <a:srgbClr val="FFFFFF"/>
                 </a:solidFill>
               </a14:hiddenFill>
             </a:ext>
             <a:ext uri="{91240B29-F687-4f45-9708-019B960494DF}">
-              <a14:hiddenLine xmlns:a14="http://schemas.microsoft.com/office/drawing/2010/main" xmlns="" w="9525">
+              <a14:hiddenLine xmlns="" xmlns:a14="http://schemas.microsoft.com/office/drawing/2010/main" w="9525">
                 <a:solidFill>
                   <a:srgbClr val="000000"/>
                 </a:solidFill>
@@ -34160,14 +34160,14 @@
           </a:ln>
           <a:extLst>
             <a:ext uri="{909E8E84-426E-40dd-AFC4-6F175D3DCCD1}">
-              <a14:hiddenFill xmlns:a14="http://schemas.microsoft.com/office/drawing/2010/main" xmlns="">
+              <a14:hiddenFill xmlns="" xmlns:a14="http://schemas.microsoft.com/office/drawing/2010/main">
                 <a:solidFill>
                   <a:srgbClr val="FFFFFF"/>
                 </a:solidFill>
               </a14:hiddenFill>
             </a:ext>
             <a:ext uri="{91240B29-F687-4f45-9708-019B960494DF}">
-              <a14:hiddenLine xmlns:a14="http://schemas.microsoft.com/office/drawing/2010/main" xmlns="" w="9525">
+              <a14:hiddenLine xmlns="" xmlns:a14="http://schemas.microsoft.com/office/drawing/2010/main" w="9525">
                 <a:solidFill>
                   <a:srgbClr val="000000"/>
                 </a:solidFill>
@@ -34669,14 +34669,14 @@
           </a:ln>
           <a:extLst>
             <a:ext uri="{909E8E84-426E-40dd-AFC4-6F175D3DCCD1}">
-              <a14:hiddenFill xmlns:a14="http://schemas.microsoft.com/office/drawing/2010/main" xmlns="">
+              <a14:hiddenFill xmlns="" xmlns:a14="http://schemas.microsoft.com/office/drawing/2010/main">
                 <a:solidFill>
                   <a:srgbClr val="FFFFFF"/>
                 </a:solidFill>
               </a14:hiddenFill>
             </a:ext>
             <a:ext uri="{91240B29-F687-4f45-9708-019B960494DF}">
-              <a14:hiddenLine xmlns:a14="http://schemas.microsoft.com/office/drawing/2010/main" xmlns="" w="9525">
+              <a14:hiddenLine xmlns="" xmlns:a14="http://schemas.microsoft.com/office/drawing/2010/main" w="9525">
                 <a:solidFill>
                   <a:srgbClr val="000000"/>
                 </a:solidFill>
@@ -34870,14 +34870,14 @@
           <a:noFill/>
           <a:extLst>
             <a:ext uri="{909E8E84-426E-40dd-AFC4-6F175D3DCCD1}">
-              <a14:hiddenFill xmlns:a14="http://schemas.microsoft.com/office/drawing/2010/main" xmlns="">
+              <a14:hiddenFill xmlns="" xmlns:a14="http://schemas.microsoft.com/office/drawing/2010/main">
                 <a:solidFill>
                   <a:srgbClr val="FFFFFF"/>
                 </a:solidFill>
               </a14:hiddenFill>
             </a:ext>
             <a:ext uri="{91240B29-F687-4f45-9708-019B960494DF}">
-              <a14:hiddenLine xmlns:a14="http://schemas.microsoft.com/office/drawing/2010/main" xmlns="" w="9525">
+              <a14:hiddenLine xmlns="" xmlns:a14="http://schemas.microsoft.com/office/drawing/2010/main" w="9525">
                 <a:solidFill>
                   <a:srgbClr val="000000"/>
                 </a:solidFill>
@@ -35096,14 +35096,14 @@
           </a:ln>
           <a:extLst>
             <a:ext uri="{909E8E84-426E-40dd-AFC4-6F175D3DCCD1}">
-              <a14:hiddenFill xmlns:a14="http://schemas.microsoft.com/office/drawing/2010/main" xmlns="">
+              <a14:hiddenFill xmlns="" xmlns:a14="http://schemas.microsoft.com/office/drawing/2010/main">
                 <a:solidFill>
                   <a:srgbClr val="FFFFFF"/>
                 </a:solidFill>
               </a14:hiddenFill>
             </a:ext>
             <a:ext uri="{91240B29-F687-4f45-9708-019B960494DF}">
-              <a14:hiddenLine xmlns:a14="http://schemas.microsoft.com/office/drawing/2010/main" xmlns="" w="9525">
+              <a14:hiddenLine xmlns="" xmlns:a14="http://schemas.microsoft.com/office/drawing/2010/main" w="9525">
                 <a:solidFill>
                   <a:srgbClr val="000000"/>
                 </a:solidFill>
@@ -35773,14 +35773,14 @@
           </a:ln>
           <a:extLst>
             <a:ext uri="{909E8E84-426E-40dd-AFC4-6F175D3DCCD1}">
-              <a14:hiddenFill xmlns:a14="http://schemas.microsoft.com/office/drawing/2010/main" xmlns="">
+              <a14:hiddenFill xmlns="" xmlns:a14="http://schemas.microsoft.com/office/drawing/2010/main">
                 <a:solidFill>
                   <a:srgbClr val="FFFFFF"/>
                 </a:solidFill>
               </a14:hiddenFill>
             </a:ext>
             <a:ext uri="{91240B29-F687-4f45-9708-019B960494DF}">
-              <a14:hiddenLine xmlns:a14="http://schemas.microsoft.com/office/drawing/2010/main" xmlns="" w="9525">
+              <a14:hiddenLine xmlns="" xmlns:a14="http://schemas.microsoft.com/office/drawing/2010/main" w="9525">
                 <a:solidFill>
                   <a:srgbClr val="000000"/>
                 </a:solidFill>
@@ -35974,14 +35974,14 @@
           <a:noFill/>
           <a:extLst>
             <a:ext uri="{909E8E84-426E-40dd-AFC4-6F175D3DCCD1}">
-              <a14:hiddenFill xmlns:a14="http://schemas.microsoft.com/office/drawing/2010/main" xmlns="">
+              <a14:hiddenFill xmlns="" xmlns:a14="http://schemas.microsoft.com/office/drawing/2010/main">
                 <a:solidFill>
                   <a:srgbClr val="FFFFFF"/>
                 </a:solidFill>
               </a14:hiddenFill>
             </a:ext>
             <a:ext uri="{91240B29-F687-4f45-9708-019B960494DF}">
-              <a14:hiddenLine xmlns:a14="http://schemas.microsoft.com/office/drawing/2010/main" xmlns="" w="9525">
+              <a14:hiddenLine xmlns="" xmlns:a14="http://schemas.microsoft.com/office/drawing/2010/main" w="9525">
                 <a:solidFill>
                   <a:srgbClr val="000000"/>
                 </a:solidFill>
@@ -36200,14 +36200,14 @@
           </a:ln>
           <a:extLst>
             <a:ext uri="{909E8E84-426E-40dd-AFC4-6F175D3DCCD1}">
-              <a14:hiddenFill xmlns:a14="http://schemas.microsoft.com/office/drawing/2010/main" xmlns="">
+              <a14:hiddenFill xmlns="" xmlns:a14="http://schemas.microsoft.com/office/drawing/2010/main">
                 <a:solidFill>
                   <a:srgbClr val="FFFFFF"/>
                 </a:solidFill>
               </a14:hiddenFill>
             </a:ext>
             <a:ext uri="{91240B29-F687-4f45-9708-019B960494DF}">
-              <a14:hiddenLine xmlns:a14="http://schemas.microsoft.com/office/drawing/2010/main" xmlns="" w="9525">
+              <a14:hiddenLine xmlns="" xmlns:a14="http://schemas.microsoft.com/office/drawing/2010/main" w="9525">
                 <a:solidFill>
                   <a:srgbClr val="000000"/>
                 </a:solidFill>
@@ -37439,14 +37439,14 @@
           </a:ln>
           <a:extLst>
             <a:ext uri="{909E8E84-426E-40dd-AFC4-6F175D3DCCD1}">
-              <a14:hiddenFill xmlns:a14="http://schemas.microsoft.com/office/drawing/2010/main" xmlns="">
+              <a14:hiddenFill xmlns="" xmlns:a14="http://schemas.microsoft.com/office/drawing/2010/main">
                 <a:solidFill>
                   <a:srgbClr val="FFFFFF"/>
                 </a:solidFill>
               </a14:hiddenFill>
             </a:ext>
             <a:ext uri="{91240B29-F687-4f45-9708-019B960494DF}">
-              <a14:hiddenLine xmlns:a14="http://schemas.microsoft.com/office/drawing/2010/main" xmlns="" w="9525">
+              <a14:hiddenLine xmlns="" xmlns:a14="http://schemas.microsoft.com/office/drawing/2010/main" w="9525">
                 <a:solidFill>
                   <a:srgbClr val="000000"/>
                 </a:solidFill>
@@ -37640,14 +37640,14 @@
           <a:noFill/>
           <a:extLst>
             <a:ext uri="{909E8E84-426E-40dd-AFC4-6F175D3DCCD1}">
-              <a14:hiddenFill xmlns:a14="http://schemas.microsoft.com/office/drawing/2010/main" xmlns="">
+              <a14:hiddenFill xmlns="" xmlns:a14="http://schemas.microsoft.com/office/drawing/2010/main">
                 <a:solidFill>
                   <a:srgbClr val="FFFFFF"/>
                 </a:solidFill>
               </a14:hiddenFill>
             </a:ext>
             <a:ext uri="{91240B29-F687-4f45-9708-019B960494DF}">
-              <a14:hiddenLine xmlns:a14="http://schemas.microsoft.com/office/drawing/2010/main" xmlns="" w="9525">
+              <a14:hiddenLine xmlns="" xmlns:a14="http://schemas.microsoft.com/office/drawing/2010/main" w="9525">
                 <a:solidFill>
                   <a:srgbClr val="000000"/>
                 </a:solidFill>
@@ -37866,14 +37866,14 @@
           </a:ln>
           <a:extLst>
             <a:ext uri="{909E8E84-426E-40dd-AFC4-6F175D3DCCD1}">
-              <a14:hiddenFill xmlns:a14="http://schemas.microsoft.com/office/drawing/2010/main" xmlns="">
+              <a14:hiddenFill xmlns="" xmlns:a14="http://schemas.microsoft.com/office/drawing/2010/main">
                 <a:solidFill>
                   <a:srgbClr val="FFFFFF"/>
                 </a:solidFill>
               </a14:hiddenFill>
             </a:ext>
             <a:ext uri="{91240B29-F687-4f45-9708-019B960494DF}">
-              <a14:hiddenLine xmlns:a14="http://schemas.microsoft.com/office/drawing/2010/main" xmlns="" w="9525">
+              <a14:hiddenLine xmlns="" xmlns:a14="http://schemas.microsoft.com/office/drawing/2010/main" w="9525">
                 <a:solidFill>
                   <a:srgbClr val="000000"/>
                 </a:solidFill>
@@ -38474,14 +38474,14 @@
           </a:ln>
           <a:extLst>
             <a:ext uri="{909E8E84-426E-40dd-AFC4-6F175D3DCCD1}">
-              <a14:hiddenFill xmlns:a14="http://schemas.microsoft.com/office/drawing/2010/main" xmlns="">
+              <a14:hiddenFill xmlns="" xmlns:a14="http://schemas.microsoft.com/office/drawing/2010/main">
                 <a:solidFill>
                   <a:srgbClr val="FFFFFF"/>
                 </a:solidFill>
               </a14:hiddenFill>
             </a:ext>
             <a:ext uri="{91240B29-F687-4f45-9708-019B960494DF}">
-              <a14:hiddenLine xmlns:a14="http://schemas.microsoft.com/office/drawing/2010/main" xmlns="" w="9525">
+              <a14:hiddenLine xmlns="" xmlns:a14="http://schemas.microsoft.com/office/drawing/2010/main" w="9525">
                 <a:solidFill>
                   <a:srgbClr val="000000"/>
                 </a:solidFill>
@@ -38675,14 +38675,14 @@
           <a:noFill/>
           <a:extLst>
             <a:ext uri="{909E8E84-426E-40dd-AFC4-6F175D3DCCD1}">
-              <a14:hiddenFill xmlns:a14="http://schemas.microsoft.com/office/drawing/2010/main" xmlns="">
+              <a14:hiddenFill xmlns="" xmlns:a14="http://schemas.microsoft.com/office/drawing/2010/main">
                 <a:solidFill>
                   <a:srgbClr val="FFFFFF"/>
                 </a:solidFill>
               </a14:hiddenFill>
             </a:ext>
             <a:ext uri="{91240B29-F687-4f45-9708-019B960494DF}">
-              <a14:hiddenLine xmlns:a14="http://schemas.microsoft.com/office/drawing/2010/main" xmlns="" w="9525">
+              <a14:hiddenLine xmlns="" xmlns:a14="http://schemas.microsoft.com/office/drawing/2010/main" w="9525">
                 <a:solidFill>
                   <a:srgbClr val="000000"/>
                 </a:solidFill>
@@ -38901,14 +38901,14 @@
           </a:ln>
           <a:extLst>
             <a:ext uri="{909E8E84-426E-40dd-AFC4-6F175D3DCCD1}">
-              <a14:hiddenFill xmlns:a14="http://schemas.microsoft.com/office/drawing/2010/main" xmlns="">
+              <a14:hiddenFill xmlns="" xmlns:a14="http://schemas.microsoft.com/office/drawing/2010/main">
                 <a:solidFill>
                   <a:srgbClr val="FFFFFF"/>
                 </a:solidFill>
               </a14:hiddenFill>
             </a:ext>
             <a:ext uri="{91240B29-F687-4f45-9708-019B960494DF}">
-              <a14:hiddenLine xmlns:a14="http://schemas.microsoft.com/office/drawing/2010/main" xmlns="" w="9525">
+              <a14:hiddenLine xmlns="" xmlns:a14="http://schemas.microsoft.com/office/drawing/2010/main" w="9525">
                 <a:solidFill>
                   <a:srgbClr val="000000"/>
                 </a:solidFill>
@@ -39412,14 +39412,14 @@
           </a:ln>
           <a:extLst>
             <a:ext uri="{909E8E84-426E-40dd-AFC4-6F175D3DCCD1}">
-              <a14:hiddenFill xmlns="" xmlns:a14="http://schemas.microsoft.com/office/drawing/2010/main">
+              <a14:hiddenFill xmlns:a14="http://schemas.microsoft.com/office/drawing/2010/main" xmlns="">
                 <a:solidFill>
                   <a:srgbClr val="FFFFFF"/>
                 </a:solidFill>
               </a14:hiddenFill>
             </a:ext>
             <a:ext uri="{91240B29-F687-4f45-9708-019B960494DF}">
-              <a14:hiddenLine xmlns="" xmlns:a14="http://schemas.microsoft.com/office/drawing/2010/main" w="9525">
+              <a14:hiddenLine xmlns:a14="http://schemas.microsoft.com/office/drawing/2010/main" xmlns="" w="9525">
                 <a:solidFill>
                   <a:srgbClr val="000000"/>
                 </a:solidFill>
@@ -39677,14 +39677,14 @@
           </a:ln>
           <a:extLst>
             <a:ext uri="{909E8E84-426E-40dd-AFC4-6F175D3DCCD1}">
-              <a14:hiddenFill xmlns="" xmlns:a14="http://schemas.microsoft.com/office/drawing/2010/main">
+              <a14:hiddenFill xmlns:a14="http://schemas.microsoft.com/office/drawing/2010/main" xmlns="">
                 <a:solidFill>
                   <a:srgbClr val="FFFFFF"/>
                 </a:solidFill>
               </a14:hiddenFill>
             </a:ext>
             <a:ext uri="{91240B29-F687-4f45-9708-019B960494DF}">
-              <a14:hiddenLine xmlns="" xmlns:a14="http://schemas.microsoft.com/office/drawing/2010/main" w="9525">
+              <a14:hiddenLine xmlns:a14="http://schemas.microsoft.com/office/drawing/2010/main" xmlns="" w="9525">
                 <a:solidFill>
                   <a:srgbClr val="000000"/>
                 </a:solidFill>
@@ -39720,14 +39720,14 @@
           <a:noFill/>
           <a:extLst>
             <a:ext uri="{909E8E84-426E-40dd-AFC4-6F175D3DCCD1}">
-              <a14:hiddenFill xmlns:a14="http://schemas.microsoft.com/office/drawing/2010/main" xmlns="">
+              <a14:hiddenFill xmlns="" xmlns:a14="http://schemas.microsoft.com/office/drawing/2010/main">
                 <a:solidFill>
                   <a:srgbClr val="FFFFFF"/>
                 </a:solidFill>
               </a14:hiddenFill>
             </a:ext>
             <a:ext uri="{91240B29-F687-4f45-9708-019B960494DF}">
-              <a14:hiddenLine xmlns:a14="http://schemas.microsoft.com/office/drawing/2010/main" xmlns="" w="9525">
+              <a14:hiddenLine xmlns="" xmlns:a14="http://schemas.microsoft.com/office/drawing/2010/main" w="9525">
                 <a:solidFill>
                   <a:srgbClr val="000000"/>
                 </a:solidFill>
@@ -39963,14 +39963,14 @@
           </a:ln>
           <a:extLst>
             <a:ext uri="{909E8E84-426E-40dd-AFC4-6F175D3DCCD1}">
-              <a14:hiddenFill xmlns:a14="http://schemas.microsoft.com/office/drawing/2010/main" xmlns="">
+              <a14:hiddenFill xmlns="" xmlns:a14="http://schemas.microsoft.com/office/drawing/2010/main">
                 <a:solidFill>
                   <a:srgbClr val="FFFFFF"/>
                 </a:solidFill>
               </a14:hiddenFill>
             </a:ext>
             <a:ext uri="{91240B29-F687-4f45-9708-019B960494DF}">
-              <a14:hiddenLine xmlns:a14="http://schemas.microsoft.com/office/drawing/2010/main" xmlns="" w="9525">
+              <a14:hiddenLine xmlns="" xmlns:a14="http://schemas.microsoft.com/office/drawing/2010/main" w="9525">
                 <a:solidFill>
                   <a:srgbClr val="000000"/>
                 </a:solidFill>
@@ -40164,14 +40164,14 @@
           <a:noFill/>
           <a:extLst>
             <a:ext uri="{909E8E84-426E-40dd-AFC4-6F175D3DCCD1}">
-              <a14:hiddenFill xmlns:a14="http://schemas.microsoft.com/office/drawing/2010/main" xmlns="">
+              <a14:hiddenFill xmlns="" xmlns:a14="http://schemas.microsoft.com/office/drawing/2010/main">
                 <a:solidFill>
                   <a:srgbClr val="FFFFFF"/>
                 </a:solidFill>
               </a14:hiddenFill>
             </a:ext>
             <a:ext uri="{91240B29-F687-4f45-9708-019B960494DF}">
-              <a14:hiddenLine xmlns:a14="http://schemas.microsoft.com/office/drawing/2010/main" xmlns="" w="9525">
+              <a14:hiddenLine xmlns="" xmlns:a14="http://schemas.microsoft.com/office/drawing/2010/main" w="9525">
                 <a:solidFill>
                   <a:srgbClr val="000000"/>
                 </a:solidFill>
@@ -40390,14 +40390,14 @@
           </a:ln>
           <a:extLst>
             <a:ext uri="{909E8E84-426E-40dd-AFC4-6F175D3DCCD1}">
-              <a14:hiddenFill xmlns:a14="http://schemas.microsoft.com/office/drawing/2010/main" xmlns="">
+              <a14:hiddenFill xmlns="" xmlns:a14="http://schemas.microsoft.com/office/drawing/2010/main">
                 <a:solidFill>
                   <a:srgbClr val="FFFFFF"/>
                 </a:solidFill>
               </a14:hiddenFill>
             </a:ext>
             <a:ext uri="{91240B29-F687-4f45-9708-019B960494DF}">
-              <a14:hiddenLine xmlns:a14="http://schemas.microsoft.com/office/drawing/2010/main" xmlns="" w="9525">
+              <a14:hiddenLine xmlns="" xmlns:a14="http://schemas.microsoft.com/office/drawing/2010/main" w="9525">
                 <a:solidFill>
                   <a:srgbClr val="000000"/>
                 </a:solidFill>
@@ -40899,14 +40899,14 @@
           </a:ln>
           <a:extLst>
             <a:ext uri="{909E8E84-426E-40dd-AFC4-6F175D3DCCD1}">
-              <a14:hiddenFill xmlns:a14="http://schemas.microsoft.com/office/drawing/2010/main" xmlns="">
+              <a14:hiddenFill xmlns="" xmlns:a14="http://schemas.microsoft.com/office/drawing/2010/main">
                 <a:solidFill>
                   <a:srgbClr val="FFFFFF"/>
                 </a:solidFill>
               </a14:hiddenFill>
             </a:ext>
             <a:ext uri="{91240B29-F687-4f45-9708-019B960494DF}">
-              <a14:hiddenLine xmlns:a14="http://schemas.microsoft.com/office/drawing/2010/main" xmlns="" w="9525">
+              <a14:hiddenLine xmlns="" xmlns:a14="http://schemas.microsoft.com/office/drawing/2010/main" w="9525">
                 <a:solidFill>
                   <a:srgbClr val="000000"/>
                 </a:solidFill>
@@ -41100,14 +41100,14 @@
           <a:noFill/>
           <a:extLst>
             <a:ext uri="{909E8E84-426E-40dd-AFC4-6F175D3DCCD1}">
-              <a14:hiddenFill xmlns:a14="http://schemas.microsoft.com/office/drawing/2010/main" xmlns="">
+              <a14:hiddenFill xmlns="" xmlns:a14="http://schemas.microsoft.com/office/drawing/2010/main">
                 <a:solidFill>
                   <a:srgbClr val="FFFFFF"/>
                 </a:solidFill>
               </a14:hiddenFill>
             </a:ext>
             <a:ext uri="{91240B29-F687-4f45-9708-019B960494DF}">
-              <a14:hiddenLine xmlns:a14="http://schemas.microsoft.com/office/drawing/2010/main" xmlns="" w="9525">
+              <a14:hiddenLine xmlns="" xmlns:a14="http://schemas.microsoft.com/office/drawing/2010/main" w="9525">
                 <a:solidFill>
                   <a:srgbClr val="000000"/>
                 </a:solidFill>
@@ -41326,14 +41326,14 @@
           </a:ln>
           <a:extLst>
             <a:ext uri="{909E8E84-426E-40dd-AFC4-6F175D3DCCD1}">
-              <a14:hiddenFill xmlns:a14="http://schemas.microsoft.com/office/drawing/2010/main" xmlns="">
+              <a14:hiddenFill xmlns="" xmlns:a14="http://schemas.microsoft.com/office/drawing/2010/main">
                 <a:solidFill>
                   <a:srgbClr val="FFFFFF"/>
                 </a:solidFill>
               </a14:hiddenFill>
             </a:ext>
             <a:ext uri="{91240B29-F687-4f45-9708-019B960494DF}">
-              <a14:hiddenLine xmlns:a14="http://schemas.microsoft.com/office/drawing/2010/main" xmlns="" w="9525">
+              <a14:hiddenLine xmlns="" xmlns:a14="http://schemas.microsoft.com/office/drawing/2010/main" w="9525">
                 <a:solidFill>
                   <a:srgbClr val="000000"/>
                 </a:solidFill>
@@ -41619,7 +41619,7 @@
             </a:endParaRPr>
           </a:p>
           <a:p>
-            <a:pPr lvl="1" eaLnBrk="1" hangingPunct="1">
+            <a:pPr lvl="2" eaLnBrk="1" hangingPunct="1">
               <a:buClr>
                 <a:srgbClr val="006666"/>
               </a:buClr>
@@ -41880,14 +41880,14 @@
           </a:ln>
           <a:extLst>
             <a:ext uri="{909E8E84-426E-40dd-AFC4-6F175D3DCCD1}">
-              <a14:hiddenFill xmlns:a14="http://schemas.microsoft.com/office/drawing/2010/main" xmlns="">
+              <a14:hiddenFill xmlns="" xmlns:a14="http://schemas.microsoft.com/office/drawing/2010/main">
                 <a:solidFill>
                   <a:srgbClr val="FFFFFF"/>
                 </a:solidFill>
               </a14:hiddenFill>
             </a:ext>
             <a:ext uri="{91240B29-F687-4f45-9708-019B960494DF}">
-              <a14:hiddenLine xmlns:a14="http://schemas.microsoft.com/office/drawing/2010/main" xmlns="" w="9525">
+              <a14:hiddenLine xmlns="" xmlns:a14="http://schemas.microsoft.com/office/drawing/2010/main" w="9525">
                 <a:solidFill>
                   <a:srgbClr val="000000"/>
                 </a:solidFill>
@@ -42081,14 +42081,14 @@
           <a:noFill/>
           <a:extLst>
             <a:ext uri="{909E8E84-426E-40dd-AFC4-6F175D3DCCD1}">
-              <a14:hiddenFill xmlns:a14="http://schemas.microsoft.com/office/drawing/2010/main" xmlns="">
+              <a14:hiddenFill xmlns="" xmlns:a14="http://schemas.microsoft.com/office/drawing/2010/main">
                 <a:solidFill>
                   <a:srgbClr val="FFFFFF"/>
                 </a:solidFill>
               </a14:hiddenFill>
             </a:ext>
             <a:ext uri="{91240B29-F687-4f45-9708-019B960494DF}">
-              <a14:hiddenLine xmlns:a14="http://schemas.microsoft.com/office/drawing/2010/main" xmlns="" w="9525">
+              <a14:hiddenLine xmlns="" xmlns:a14="http://schemas.microsoft.com/office/drawing/2010/main" w="9525">
                 <a:solidFill>
                   <a:srgbClr val="000000"/>
                 </a:solidFill>
@@ -42307,14 +42307,14 @@
           </a:ln>
           <a:extLst>
             <a:ext uri="{909E8E84-426E-40dd-AFC4-6F175D3DCCD1}">
-              <a14:hiddenFill xmlns:a14="http://schemas.microsoft.com/office/drawing/2010/main" xmlns="">
+              <a14:hiddenFill xmlns="" xmlns:a14="http://schemas.microsoft.com/office/drawing/2010/main">
                 <a:solidFill>
                   <a:srgbClr val="FFFFFF"/>
                 </a:solidFill>
               </a14:hiddenFill>
             </a:ext>
             <a:ext uri="{91240B29-F687-4f45-9708-019B960494DF}">
-              <a14:hiddenLine xmlns:a14="http://schemas.microsoft.com/office/drawing/2010/main" xmlns="" w="9525">
+              <a14:hiddenLine xmlns="" xmlns:a14="http://schemas.microsoft.com/office/drawing/2010/main" w="9525">
                 <a:solidFill>
                   <a:srgbClr val="000000"/>
                 </a:solidFill>
@@ -42906,14 +42906,14 @@
           </a:ln>
           <a:extLst>
             <a:ext uri="{909E8E84-426E-40dd-AFC4-6F175D3DCCD1}">
-              <a14:hiddenFill xmlns:a14="http://schemas.microsoft.com/office/drawing/2010/main" xmlns="">
+              <a14:hiddenFill xmlns="" xmlns:a14="http://schemas.microsoft.com/office/drawing/2010/main">
                 <a:solidFill>
                   <a:srgbClr val="FFFFFF"/>
                 </a:solidFill>
               </a14:hiddenFill>
             </a:ext>
             <a:ext uri="{91240B29-F687-4f45-9708-019B960494DF}">
-              <a14:hiddenLine xmlns:a14="http://schemas.microsoft.com/office/drawing/2010/main" xmlns="" w="9525">
+              <a14:hiddenLine xmlns="" xmlns:a14="http://schemas.microsoft.com/office/drawing/2010/main" w="9525">
                 <a:solidFill>
                   <a:srgbClr val="000000"/>
                 </a:solidFill>
@@ -43107,14 +43107,14 @@
           <a:noFill/>
           <a:extLst>
             <a:ext uri="{909E8E84-426E-40dd-AFC4-6F175D3DCCD1}">
-              <a14:hiddenFill xmlns:a14="http://schemas.microsoft.com/office/drawing/2010/main" xmlns="">
+              <a14:hiddenFill xmlns="" xmlns:a14="http://schemas.microsoft.com/office/drawing/2010/main">
                 <a:solidFill>
                   <a:srgbClr val="FFFFFF"/>
                 </a:solidFill>
               </a14:hiddenFill>
             </a:ext>
             <a:ext uri="{91240B29-F687-4f45-9708-019B960494DF}">
-              <a14:hiddenLine xmlns:a14="http://schemas.microsoft.com/office/drawing/2010/main" xmlns="" w="9525">
+              <a14:hiddenLine xmlns="" xmlns:a14="http://schemas.microsoft.com/office/drawing/2010/main" w="9525">
                 <a:solidFill>
                   <a:srgbClr val="000000"/>
                 </a:solidFill>
@@ -43333,14 +43333,14 @@
           </a:ln>
           <a:extLst>
             <a:ext uri="{909E8E84-426E-40dd-AFC4-6F175D3DCCD1}">
-              <a14:hiddenFill xmlns:a14="http://schemas.microsoft.com/office/drawing/2010/main" xmlns="">
+              <a14:hiddenFill xmlns="" xmlns:a14="http://schemas.microsoft.com/office/drawing/2010/main">
                 <a:solidFill>
                   <a:srgbClr val="FFFFFF"/>
                 </a:solidFill>
               </a14:hiddenFill>
             </a:ext>
             <a:ext uri="{91240B29-F687-4f45-9708-019B960494DF}">
-              <a14:hiddenLine xmlns:a14="http://schemas.microsoft.com/office/drawing/2010/main" xmlns="" w="9525">
+              <a14:hiddenLine xmlns="" xmlns:a14="http://schemas.microsoft.com/office/drawing/2010/main" w="9525">
                 <a:solidFill>
                   <a:srgbClr val="000000"/>
                 </a:solidFill>
@@ -43875,14 +43875,14 @@
           </a:ln>
           <a:extLst>
             <a:ext uri="{909E8E84-426E-40dd-AFC4-6F175D3DCCD1}">
-              <a14:hiddenFill xmlns:a14="http://schemas.microsoft.com/office/drawing/2010/main" xmlns="">
+              <a14:hiddenFill xmlns="" xmlns:a14="http://schemas.microsoft.com/office/drawing/2010/main">
                 <a:solidFill>
                   <a:srgbClr val="FFFFFF"/>
                 </a:solidFill>
               </a14:hiddenFill>
             </a:ext>
             <a:ext uri="{91240B29-F687-4f45-9708-019B960494DF}">
-              <a14:hiddenLine xmlns:a14="http://schemas.microsoft.com/office/drawing/2010/main" xmlns="" w="9525">
+              <a14:hiddenLine xmlns="" xmlns:a14="http://schemas.microsoft.com/office/drawing/2010/main" w="9525">
                 <a:solidFill>
                   <a:srgbClr val="000000"/>
                 </a:solidFill>
@@ -44076,14 +44076,14 @@
           <a:noFill/>
           <a:extLst>
             <a:ext uri="{909E8E84-426E-40dd-AFC4-6F175D3DCCD1}">
-              <a14:hiddenFill xmlns:a14="http://schemas.microsoft.com/office/drawing/2010/main" xmlns="">
+              <a14:hiddenFill xmlns="" xmlns:a14="http://schemas.microsoft.com/office/drawing/2010/main">
                 <a:solidFill>
                   <a:srgbClr val="FFFFFF"/>
                 </a:solidFill>
               </a14:hiddenFill>
             </a:ext>
             <a:ext uri="{91240B29-F687-4f45-9708-019B960494DF}">
-              <a14:hiddenLine xmlns:a14="http://schemas.microsoft.com/office/drawing/2010/main" xmlns="" w="9525">
+              <a14:hiddenLine xmlns="" xmlns:a14="http://schemas.microsoft.com/office/drawing/2010/main" w="9525">
                 <a:solidFill>
                   <a:srgbClr val="000000"/>
                 </a:solidFill>
@@ -44302,14 +44302,14 @@
           </a:ln>
           <a:extLst>
             <a:ext uri="{909E8E84-426E-40dd-AFC4-6F175D3DCCD1}">
-              <a14:hiddenFill xmlns:a14="http://schemas.microsoft.com/office/drawing/2010/main" xmlns="">
+              <a14:hiddenFill xmlns="" xmlns:a14="http://schemas.microsoft.com/office/drawing/2010/main">
                 <a:solidFill>
                   <a:srgbClr val="FFFFFF"/>
                 </a:solidFill>
               </a14:hiddenFill>
             </a:ext>
             <a:ext uri="{91240B29-F687-4f45-9708-019B960494DF}">
-              <a14:hiddenLine xmlns:a14="http://schemas.microsoft.com/office/drawing/2010/main" xmlns="" w="9525">
+              <a14:hiddenLine xmlns="" xmlns:a14="http://schemas.microsoft.com/office/drawing/2010/main" w="9525">
                 <a:solidFill>
                   <a:srgbClr val="000000"/>
                 </a:solidFill>
